--- a/materials/slides/ch04-complete-lnmp.pptx
+++ b/materials/slides/ch04-complete-lnmp.pptx
@@ -228,7 +228,7 @@
           <a:p>
             <a:fld id="{E923E828-953C-4D4A-9B10-11E7329F433D}" type="datetimeFigureOut">
               <a:rPr lang="zh-CN" altLang="en-US" smtClean="0"/>
-              <a:t>2018/2/18</a:t>
+              <a:t>2018/2/28</a:t>
             </a:fld>
             <a:endParaRPr lang="zh-CN" altLang="en-US"/>
           </a:p>
@@ -409,7 +409,7 @@
           <a:p>
             <a:fld id="{867C5346-22E5-4085-8130-851344A84DFF}" type="datetimeFigureOut">
               <a:rPr lang="zh-CN" altLang="en-US" smtClean="0"/>
-              <a:t>2018/2/18</a:t>
+              <a:t>2018/2/28</a:t>
             </a:fld>
             <a:endParaRPr lang="zh-CN" altLang="en-US"/>
           </a:p>
@@ -1171,7 +1171,7 @@
           <a:p>
             <a:fld id="{A5E21016-498F-4141-B0CA-D95A38CA7D62}" type="datetimeFigureOut">
               <a:rPr lang="zh-CN" altLang="en-US" smtClean="0"/>
-              <a:t>2018/2/18</a:t>
+              <a:t>2018/2/28</a:t>
             </a:fld>
             <a:endParaRPr lang="zh-CN" altLang="en-US"/>
           </a:p>
@@ -1401,7 +1401,7 @@
           <a:p>
             <a:fld id="{A5E21016-498F-4141-B0CA-D95A38CA7D62}" type="datetimeFigureOut">
               <a:rPr lang="zh-CN" altLang="en-US" smtClean="0"/>
-              <a:t>2018/2/18</a:t>
+              <a:t>2018/2/28</a:t>
             </a:fld>
             <a:endParaRPr lang="zh-CN" altLang="en-US"/>
           </a:p>
@@ -1636,7 +1636,7 @@
           <a:p>
             <a:fld id="{A5E21016-498F-4141-B0CA-D95A38CA7D62}" type="datetimeFigureOut">
               <a:rPr lang="zh-CN" altLang="en-US" smtClean="0"/>
-              <a:t>2018/2/18</a:t>
+              <a:t>2018/2/28</a:t>
             </a:fld>
             <a:endParaRPr lang="zh-CN" altLang="en-US"/>
           </a:p>
@@ -2198,7 +2198,7 @@
           <a:p>
             <a:fld id="{A5E21016-498F-4141-B0CA-D95A38CA7D62}" type="datetimeFigureOut">
               <a:rPr lang="zh-CN" altLang="en-US" smtClean="0"/>
-              <a:t>2018/2/18</a:t>
+              <a:t>2018/2/28</a:t>
             </a:fld>
             <a:endParaRPr lang="zh-CN" altLang="en-US"/>
           </a:p>
@@ -2495,7 +2495,7 @@
           <a:p>
             <a:fld id="{A5E21016-498F-4141-B0CA-D95A38CA7D62}" type="datetimeFigureOut">
               <a:rPr lang="zh-CN" altLang="en-US" smtClean="0"/>
-              <a:t>2018/2/18</a:t>
+              <a:t>2018/2/28</a:t>
             </a:fld>
             <a:endParaRPr lang="zh-CN" altLang="en-US"/>
           </a:p>
@@ -2934,7 +2934,7 @@
           <a:p>
             <a:fld id="{A5E21016-498F-4141-B0CA-D95A38CA7D62}" type="datetimeFigureOut">
               <a:rPr lang="zh-CN" altLang="en-US" smtClean="0"/>
-              <a:t>2018/2/18</a:t>
+              <a:t>2018/2/28</a:t>
             </a:fld>
             <a:endParaRPr lang="zh-CN" altLang="en-US"/>
           </a:p>
@@ -3107,7 +3107,7 @@
           <a:p>
             <a:fld id="{A5E21016-498F-4141-B0CA-D95A38CA7D62}" type="datetimeFigureOut">
               <a:rPr lang="zh-CN" altLang="en-US" smtClean="0"/>
-              <a:t>2018/2/18</a:t>
+              <a:t>2018/2/28</a:t>
             </a:fld>
             <a:endParaRPr lang="zh-CN" altLang="en-US"/>
           </a:p>
@@ -3244,7 +3244,7 @@
           <a:p>
             <a:fld id="{A5E21016-498F-4141-B0CA-D95A38CA7D62}" type="datetimeFigureOut">
               <a:rPr lang="zh-CN" altLang="en-US" smtClean="0"/>
-              <a:t>2018/2/18</a:t>
+              <a:t>2018/2/28</a:t>
             </a:fld>
             <a:endParaRPr lang="zh-CN" altLang="en-US"/>
           </a:p>
@@ -3582,7 +3582,7 @@
           <a:p>
             <a:fld id="{A5E21016-498F-4141-B0CA-D95A38CA7D62}" type="datetimeFigureOut">
               <a:rPr lang="zh-CN" altLang="en-US" smtClean="0"/>
-              <a:t>2018/2/18</a:t>
+              <a:t>2018/2/28</a:t>
             </a:fld>
             <a:endParaRPr lang="zh-CN" altLang="en-US"/>
           </a:p>
@@ -3897,7 +3897,7 @@
           <a:p>
             <a:fld id="{A5E21016-498F-4141-B0CA-D95A38CA7D62}" type="datetimeFigureOut">
               <a:rPr lang="zh-CN" altLang="en-US" smtClean="0"/>
-              <a:t>2018/2/18</a:t>
+              <a:t>2018/2/28</a:t>
             </a:fld>
             <a:endParaRPr lang="zh-CN" altLang="en-US"/>
           </a:p>
@@ -4496,7 +4496,7 @@
         <p:spPr>
           <a:xfrm>
             <a:off x="672483" y="1012055"/>
-            <a:ext cx="10847034" cy="5170646"/>
+            <a:ext cx="10847034" cy="4893647"/>
           </a:xfrm>
           <a:prstGeom prst="rect">
             <a:avLst/>
@@ -4511,11 +4511,19 @@
           <a:p>
             <a:r>
               <a:rPr lang="en-US" altLang="zh-CN" sz="3200" dirty="0"/>
+              <a:t>Linux</a:t>
+            </a:r>
+            <a:r>
+              <a:rPr lang="zh-CN" altLang="en-US" sz="3200" dirty="0"/>
+              <a:t>平台</a:t>
+            </a:r>
+            <a:r>
+              <a:rPr lang="en-US" altLang="zh-CN" sz="3200" dirty="0"/>
               <a:t>PHP</a:t>
             </a:r>
             <a:r>
               <a:rPr lang="zh-CN" altLang="en-US" sz="3200" dirty="0"/>
-              <a:t>底层开发 </a:t>
+              <a:t>服务端开发</a:t>
             </a:r>
             <a:r>
               <a:rPr lang="en-US" altLang="zh-CN" sz="3200" dirty="0"/>
@@ -4536,73 +4544,47 @@
           </a:p>
           <a:p>
             <a:pPr algn="ctr"/>
-            <a:r>
-              <a:rPr lang="en-US" altLang="zh-CN" dirty="0">
-                <a:solidFill>
-                  <a:schemeClr val="tx1">
-                    <a:lumMod val="50000"/>
-                    <a:lumOff val="50000"/>
-                  </a:schemeClr>
-                </a:solidFill>
-              </a:rPr>
-              <a:t>1  0  0  1</a:t>
-            </a:r>
+            <a:endParaRPr lang="en-US" altLang="zh-CN" dirty="0">
+              <a:solidFill>
+                <a:schemeClr val="tx1">
+                  <a:lumMod val="50000"/>
+                  <a:lumOff val="50000"/>
+                </a:schemeClr>
+              </a:solidFill>
+            </a:endParaRPr>
           </a:p>
           <a:p>
             <a:pPr algn="ctr"/>
-            <a:r>
-              <a:rPr lang="en-US" altLang="zh-CN" dirty="0">
-                <a:solidFill>
-                  <a:schemeClr val="tx1">
-                    <a:lumMod val="50000"/>
-                    <a:lumOff val="50000"/>
-                  </a:schemeClr>
-                </a:solidFill>
-              </a:rPr>
-              <a:t>0  1  1  0</a:t>
-            </a:r>
+            <a:endParaRPr lang="en-US" altLang="zh-CN" dirty="0">
+              <a:solidFill>
+                <a:schemeClr val="tx1">
+                  <a:lumMod val="50000"/>
+                  <a:lumOff val="50000"/>
+                </a:schemeClr>
+              </a:solidFill>
+            </a:endParaRPr>
           </a:p>
           <a:p>
             <a:pPr algn="ctr"/>
-            <a:r>
-              <a:rPr lang="en-US" altLang="zh-CN" dirty="0">
-                <a:solidFill>
-                  <a:schemeClr val="tx1">
-                    <a:lumMod val="50000"/>
-                    <a:lumOff val="50000"/>
-                  </a:schemeClr>
-                </a:solidFill>
-              </a:rPr>
-              <a:t>1  0  0  1</a:t>
-            </a:r>
+            <a:endParaRPr lang="en-US" altLang="zh-CN" dirty="0">
+              <a:solidFill>
+                <a:schemeClr val="tx1">
+                  <a:lumMod val="50000"/>
+                  <a:lumOff val="50000"/>
+                </a:schemeClr>
+              </a:solidFill>
+            </a:endParaRPr>
           </a:p>
           <a:p>
             <a:pPr algn="ctr"/>
-            <a:r>
-              <a:rPr lang="en-US" altLang="zh-CN" dirty="0">
-                <a:solidFill>
-                  <a:schemeClr val="tx1">
-                    <a:lumMod val="50000"/>
-                    <a:lumOff val="50000"/>
-                  </a:schemeClr>
-                </a:solidFill>
-              </a:rPr>
-              <a:t>0  1  1  0</a:t>
-            </a:r>
-          </a:p>
-          <a:p>
-            <a:pPr algn="ctr"/>
-            <a:r>
-              <a:rPr lang="en-US" altLang="zh-CN" dirty="0">
-                <a:solidFill>
-                  <a:schemeClr val="tx1">
-                    <a:lumMod val="50000"/>
-                    <a:lumOff val="50000"/>
-                  </a:schemeClr>
-                </a:solidFill>
-              </a:rPr>
-              <a:t>1  0  0  1</a:t>
-            </a:r>
+            <a:endParaRPr lang="en-US" altLang="zh-CN" dirty="0">
+              <a:solidFill>
+                <a:schemeClr val="tx1">
+                  <a:lumMod val="50000"/>
+                  <a:lumOff val="50000"/>
+                </a:schemeClr>
+              </a:solidFill>
+            </a:endParaRPr>
           </a:p>
           <a:p>
             <a:pPr algn="ctr"/>
@@ -4611,8 +4593,12 @@
           <a:p>
             <a:pPr algn="ctr"/>
             <a:r>
+              <a:rPr lang="zh-CN" altLang="en-US" sz="2800"/>
+              <a:t>第四讲 </a:t>
+            </a:r>
+            <a:r>
               <a:rPr lang="zh-CN" altLang="en-US" sz="2800" dirty="0"/>
-              <a:t>第三讲 完整的</a:t>
+              <a:t>完整的</a:t>
             </a:r>
             <a:r>
               <a:rPr lang="en-US" altLang="zh-CN" sz="2800" dirty="0"/>
@@ -4638,61 +4624,6 @@
           </a:p>
           <a:p>
             <a:endParaRPr lang="en-US" altLang="zh-CN" dirty="0"/>
-          </a:p>
-        </p:txBody>
-      </p:sp>
-      <p:sp>
-        <p:nvSpPr>
-          <p:cNvPr id="4" name="云形 3">
-            <a:extLst>
-              <a:ext uri="{FF2B5EF4-FFF2-40B4-BE49-F238E27FC236}">
-                <a16:creationId xmlns:a16="http://schemas.microsoft.com/office/drawing/2014/main" id="{FB93CA04-9A10-4FDC-B520-5825D0C2A77A}"/>
-              </a:ext>
-            </a:extLst>
-          </p:cNvPr>
-          <p:cNvSpPr/>
-          <p:nvPr/>
-        </p:nvSpPr>
-        <p:spPr>
-          <a:xfrm>
-            <a:off x="4685710" y="1632582"/>
-            <a:ext cx="2521259" cy="1020932"/>
-          </a:xfrm>
-          <a:prstGeom prst="cloud">
-            <a:avLst/>
-          </a:prstGeom>
-          <a:noFill/>
-          <a:ln>
-            <a:solidFill>
-              <a:schemeClr val="tx1">
-                <a:lumMod val="65000"/>
-                <a:lumOff val="35000"/>
-              </a:schemeClr>
-            </a:solidFill>
-          </a:ln>
-        </p:spPr>
-        <p:style>
-          <a:lnRef idx="2">
-            <a:schemeClr val="accent1">
-              <a:shade val="50000"/>
-            </a:schemeClr>
-          </a:lnRef>
-          <a:fillRef idx="1">
-            <a:schemeClr val="accent1"/>
-          </a:fillRef>
-          <a:effectRef idx="0">
-            <a:schemeClr val="accent1"/>
-          </a:effectRef>
-          <a:fontRef idx="minor">
-            <a:schemeClr val="lt1"/>
-          </a:fontRef>
-        </p:style>
-        <p:txBody>
-          <a:bodyPr rtlCol="0" anchor="ctr"/>
-          <a:lstStyle/>
-          <a:p>
-            <a:pPr algn="ctr"/>
-            <a:endParaRPr lang="zh-CN" altLang="en-US"/>
           </a:p>
         </p:txBody>
       </p:sp>

--- a/materials/slides/ch04-complete-lnmp.pptx
+++ b/materials/slides/ch04-complete-lnmp.pptx
@@ -5,26 +5,21 @@
     <p:sldMasterId id="2147483648" r:id="rId1"/>
   </p:sldMasterIdLst>
   <p:notesMasterIdLst>
-    <p:notesMasterId r:id="rId16"/>
+    <p:notesMasterId r:id="rId11"/>
   </p:notesMasterIdLst>
   <p:handoutMasterIdLst>
-    <p:handoutMasterId r:id="rId17"/>
+    <p:handoutMasterId r:id="rId12"/>
   </p:handoutMasterIdLst>
   <p:sldIdLst>
     <p:sldId id="257" r:id="rId2"/>
     <p:sldId id="256" r:id="rId3"/>
     <p:sldId id="258" r:id="rId4"/>
     <p:sldId id="276" r:id="rId5"/>
-    <p:sldId id="261" r:id="rId6"/>
-    <p:sldId id="262" r:id="rId7"/>
-    <p:sldId id="280" r:id="rId8"/>
-    <p:sldId id="279" r:id="rId9"/>
-    <p:sldId id="281" r:id="rId10"/>
-    <p:sldId id="264" r:id="rId11"/>
-    <p:sldId id="266" r:id="rId12"/>
-    <p:sldId id="265" r:id="rId13"/>
-    <p:sldId id="274" r:id="rId14"/>
-    <p:sldId id="278" r:id="rId15"/>
+    <p:sldId id="264" r:id="rId6"/>
+    <p:sldId id="266" r:id="rId7"/>
+    <p:sldId id="265" r:id="rId8"/>
+    <p:sldId id="274" r:id="rId9"/>
+    <p:sldId id="278" r:id="rId10"/>
   </p:sldIdLst>
   <p:sldSz cx="12192000" cy="6858000"/>
   <p:notesSz cx="6858000" cy="9144000"/>
@@ -228,7 +223,7 @@
           <a:p>
             <a:fld id="{E923E828-953C-4D4A-9B10-11E7329F433D}" type="datetimeFigureOut">
               <a:rPr lang="zh-CN" altLang="en-US" smtClean="0"/>
-              <a:t>2018/2/28</a:t>
+              <a:t>2018/3/18</a:t>
             </a:fld>
             <a:endParaRPr lang="zh-CN" altLang="en-US"/>
           </a:p>
@@ -409,7 +404,7 @@
           <a:p>
             <a:fld id="{867C5346-22E5-4085-8130-851344A84DFF}" type="datetimeFigureOut">
               <a:rPr lang="zh-CN" altLang="en-US" smtClean="0"/>
-              <a:t>2018/2/28</a:t>
+              <a:t>2018/3/18</a:t>
             </a:fld>
             <a:endParaRPr lang="zh-CN" altLang="en-US"/>
           </a:p>
@@ -826,7 +821,7 @@
           <a:p>
             <a:fld id="{9FB975F3-1C40-4D40-A7FE-36EEB7CAFC85}" type="slidenum">
               <a:rPr lang="zh-CN" altLang="en-US" smtClean="0"/>
-              <a:t>11</a:t>
+              <a:t>6</a:t>
             </a:fld>
             <a:endParaRPr lang="zh-CN" altLang="en-US"/>
           </a:p>
@@ -910,7 +905,7 @@
           <a:p>
             <a:fld id="{9FB975F3-1C40-4D40-A7FE-36EEB7CAFC85}" type="slidenum">
               <a:rPr lang="zh-CN" altLang="en-US" smtClean="0"/>
-              <a:t>13</a:t>
+              <a:t>8</a:t>
             </a:fld>
             <a:endParaRPr lang="zh-CN" altLang="en-US"/>
           </a:p>
@@ -994,7 +989,7 @@
           <a:p>
             <a:fld id="{9FB975F3-1C40-4D40-A7FE-36EEB7CAFC85}" type="slidenum">
               <a:rPr lang="zh-CN" altLang="en-US" smtClean="0"/>
-              <a:t>14</a:t>
+              <a:t>9</a:t>
             </a:fld>
             <a:endParaRPr lang="zh-CN" altLang="en-US"/>
           </a:p>
@@ -1171,7 +1166,7 @@
           <a:p>
             <a:fld id="{A5E21016-498F-4141-B0CA-D95A38CA7D62}" type="datetimeFigureOut">
               <a:rPr lang="zh-CN" altLang="en-US" smtClean="0"/>
-              <a:t>2018/2/28</a:t>
+              <a:t>2018/3/18</a:t>
             </a:fld>
             <a:endParaRPr lang="zh-CN" altLang="en-US"/>
           </a:p>
@@ -1401,7 +1396,7 @@
           <a:p>
             <a:fld id="{A5E21016-498F-4141-B0CA-D95A38CA7D62}" type="datetimeFigureOut">
               <a:rPr lang="zh-CN" altLang="en-US" smtClean="0"/>
-              <a:t>2018/2/28</a:t>
+              <a:t>2018/3/18</a:t>
             </a:fld>
             <a:endParaRPr lang="zh-CN" altLang="en-US"/>
           </a:p>
@@ -1636,7 +1631,7 @@
           <a:p>
             <a:fld id="{A5E21016-498F-4141-B0CA-D95A38CA7D62}" type="datetimeFigureOut">
               <a:rPr lang="zh-CN" altLang="en-US" smtClean="0"/>
-              <a:t>2018/2/28</a:t>
+              <a:t>2018/3/18</a:t>
             </a:fld>
             <a:endParaRPr lang="zh-CN" altLang="en-US"/>
           </a:p>
@@ -2198,7 +2193,7 @@
           <a:p>
             <a:fld id="{A5E21016-498F-4141-B0CA-D95A38CA7D62}" type="datetimeFigureOut">
               <a:rPr lang="zh-CN" altLang="en-US" smtClean="0"/>
-              <a:t>2018/2/28</a:t>
+              <a:t>2018/3/18</a:t>
             </a:fld>
             <a:endParaRPr lang="zh-CN" altLang="en-US"/>
           </a:p>
@@ -2495,7 +2490,7 @@
           <a:p>
             <a:fld id="{A5E21016-498F-4141-B0CA-D95A38CA7D62}" type="datetimeFigureOut">
               <a:rPr lang="zh-CN" altLang="en-US" smtClean="0"/>
-              <a:t>2018/2/28</a:t>
+              <a:t>2018/3/18</a:t>
             </a:fld>
             <a:endParaRPr lang="zh-CN" altLang="en-US"/>
           </a:p>
@@ -2934,7 +2929,7 @@
           <a:p>
             <a:fld id="{A5E21016-498F-4141-B0CA-D95A38CA7D62}" type="datetimeFigureOut">
               <a:rPr lang="zh-CN" altLang="en-US" smtClean="0"/>
-              <a:t>2018/2/28</a:t>
+              <a:t>2018/3/18</a:t>
             </a:fld>
             <a:endParaRPr lang="zh-CN" altLang="en-US"/>
           </a:p>
@@ -3107,7 +3102,7 @@
           <a:p>
             <a:fld id="{A5E21016-498F-4141-B0CA-D95A38CA7D62}" type="datetimeFigureOut">
               <a:rPr lang="zh-CN" altLang="en-US" smtClean="0"/>
-              <a:t>2018/2/28</a:t>
+              <a:t>2018/3/18</a:t>
             </a:fld>
             <a:endParaRPr lang="zh-CN" altLang="en-US"/>
           </a:p>
@@ -3244,7 +3239,7 @@
           <a:p>
             <a:fld id="{A5E21016-498F-4141-B0CA-D95A38CA7D62}" type="datetimeFigureOut">
               <a:rPr lang="zh-CN" altLang="en-US" smtClean="0"/>
-              <a:t>2018/2/28</a:t>
+              <a:t>2018/3/18</a:t>
             </a:fld>
             <a:endParaRPr lang="zh-CN" altLang="en-US"/>
           </a:p>
@@ -3582,7 +3577,7 @@
           <a:p>
             <a:fld id="{A5E21016-498F-4141-B0CA-D95A38CA7D62}" type="datetimeFigureOut">
               <a:rPr lang="zh-CN" altLang="en-US" smtClean="0"/>
-              <a:t>2018/2/28</a:t>
+              <a:t>2018/3/18</a:t>
             </a:fld>
             <a:endParaRPr lang="zh-CN" altLang="en-US"/>
           </a:p>
@@ -3897,7 +3892,7 @@
           <a:p>
             <a:fld id="{A5E21016-498F-4141-B0CA-D95A38CA7D62}" type="datetimeFigureOut">
               <a:rPr lang="zh-CN" altLang="en-US" smtClean="0"/>
-              <a:t>2018/2/28</a:t>
+              <a:t>2018/3/18</a:t>
             </a:fld>
             <a:endParaRPr lang="zh-CN" altLang="en-US"/>
           </a:p>
@@ -4640,667 +4635,6 @@
 </p:sld>
 </file>
 
-<file path=ppt/slides/slide10.xml><?xml version="1.0" encoding="utf-8"?>
-<p:sld xmlns:a="http://schemas.openxmlformats.org/drawingml/2006/main" xmlns:r="http://schemas.openxmlformats.org/officeDocument/2006/relationships" xmlns:p="http://schemas.openxmlformats.org/presentationml/2006/main">
-  <p:cSld>
-    <p:spTree>
-      <p:nvGrpSpPr>
-        <p:cNvPr id="1" name=""/>
-        <p:cNvGrpSpPr/>
-        <p:nvPr/>
-      </p:nvGrpSpPr>
-      <p:grpSpPr>
-        <a:xfrm>
-          <a:off x="0" y="0"/>
-          <a:ext cx="0" cy="0"/>
-          <a:chOff x="0" y="0"/>
-          <a:chExt cx="0" cy="0"/>
-        </a:xfrm>
-      </p:grpSpPr>
-      <p:sp>
-        <p:nvSpPr>
-          <p:cNvPr id="4" name="标题 3">
-            <a:extLst>
-              <a:ext uri="{FF2B5EF4-FFF2-40B4-BE49-F238E27FC236}">
-                <a16:creationId xmlns:a16="http://schemas.microsoft.com/office/drawing/2014/main" id="{2729939D-814A-4BD2-9922-3F8EA865938B}"/>
-              </a:ext>
-            </a:extLst>
-          </p:cNvPr>
-          <p:cNvSpPr>
-            <a:spLocks noGrp="1"/>
-          </p:cNvSpPr>
-          <p:nvPr>
-            <p:ph type="title"/>
-          </p:nvPr>
-        </p:nvSpPr>
-        <p:spPr>
-          <a:xfrm>
-            <a:off x="838200" y="683581"/>
-            <a:ext cx="10515600" cy="736846"/>
-          </a:xfrm>
-        </p:spPr>
-        <p:txBody>
-          <a:bodyPr/>
-          <a:lstStyle/>
-          <a:p>
-            <a:r>
-              <a:rPr lang="en-US" altLang="zh-CN" dirty="0"/>
-              <a:t>2</a:t>
-            </a:r>
-            <a:endParaRPr lang="zh-CN" altLang="en-US" dirty="0"/>
-          </a:p>
-        </p:txBody>
-      </p:sp>
-      <p:sp>
-        <p:nvSpPr>
-          <p:cNvPr id="3" name="内容占位符 2">
-            <a:extLst>
-              <a:ext uri="{FF2B5EF4-FFF2-40B4-BE49-F238E27FC236}">
-                <a16:creationId xmlns:a16="http://schemas.microsoft.com/office/drawing/2014/main" id="{ED7249CC-3D11-4FF8-8CF2-30C36502BA8B}"/>
-              </a:ext>
-            </a:extLst>
-          </p:cNvPr>
-          <p:cNvSpPr>
-            <a:spLocks noGrp="1"/>
-          </p:cNvSpPr>
-          <p:nvPr>
-            <p:ph idx="1"/>
-          </p:nvPr>
-        </p:nvSpPr>
-        <p:spPr/>
-        <p:txBody>
-          <a:bodyPr/>
-          <a:lstStyle/>
-          <a:p>
-            <a:pPr marL="0" indent="0" algn="ctr">
-              <a:buNone/>
-            </a:pPr>
-            <a:endParaRPr lang="en-US" altLang="zh-CN" dirty="0">
-              <a:solidFill>
-                <a:schemeClr val="accent1">
-                  <a:lumMod val="75000"/>
-                </a:schemeClr>
-              </a:solidFill>
-            </a:endParaRPr>
-          </a:p>
-          <a:p>
-            <a:pPr marL="0" indent="0" algn="ctr">
-              <a:buNone/>
-            </a:pPr>
-            <a:endParaRPr lang="en-US" altLang="zh-CN" dirty="0">
-              <a:solidFill>
-                <a:schemeClr val="accent1">
-                  <a:lumMod val="75000"/>
-                </a:schemeClr>
-              </a:solidFill>
-            </a:endParaRPr>
-          </a:p>
-          <a:p>
-            <a:pPr marL="0" indent="0" algn="ctr">
-              <a:buNone/>
-            </a:pPr>
-            <a:endParaRPr lang="en-US" altLang="zh-CN" dirty="0">
-              <a:solidFill>
-                <a:schemeClr val="accent1">
-                  <a:lumMod val="75000"/>
-                </a:schemeClr>
-              </a:solidFill>
-            </a:endParaRPr>
-          </a:p>
-          <a:p>
-            <a:pPr marL="0" indent="0" algn="ctr">
-              <a:buNone/>
-            </a:pPr>
-            <a:endParaRPr lang="en-US" altLang="zh-CN" dirty="0">
-              <a:solidFill>
-                <a:schemeClr val="accent1">
-                  <a:lumMod val="75000"/>
-                </a:schemeClr>
-              </a:solidFill>
-            </a:endParaRPr>
-          </a:p>
-          <a:p>
-            <a:pPr marL="0" indent="0" algn="ctr">
-              <a:buNone/>
-            </a:pPr>
-            <a:r>
-              <a:rPr lang="zh-CN" altLang="en-US" sz="3200" dirty="0">
-                <a:solidFill>
-                  <a:schemeClr val="accent1">
-                    <a:lumMod val="75000"/>
-                  </a:schemeClr>
-                </a:solidFill>
-              </a:rPr>
-              <a:t>统一管理脚本</a:t>
-            </a:r>
-          </a:p>
-        </p:txBody>
-      </p:sp>
-    </p:spTree>
-    <p:extLst>
-      <p:ext uri="{BB962C8B-B14F-4D97-AF65-F5344CB8AC3E}">
-        <p14:creationId xmlns:p14="http://schemas.microsoft.com/office/powerpoint/2010/main" val="678941122"/>
-      </p:ext>
-    </p:extLst>
-  </p:cSld>
-  <p:clrMapOvr>
-    <a:masterClrMapping/>
-  </p:clrMapOvr>
-</p:sld>
-</file>
-
-<file path=ppt/slides/slide11.xml><?xml version="1.0" encoding="utf-8"?>
-<p:sld xmlns:a="http://schemas.openxmlformats.org/drawingml/2006/main" xmlns:r="http://schemas.openxmlformats.org/officeDocument/2006/relationships" xmlns:p="http://schemas.openxmlformats.org/presentationml/2006/main">
-  <p:cSld>
-    <p:spTree>
-      <p:nvGrpSpPr>
-        <p:cNvPr id="1" name=""/>
-        <p:cNvGrpSpPr/>
-        <p:nvPr/>
-      </p:nvGrpSpPr>
-      <p:grpSpPr>
-        <a:xfrm>
-          <a:off x="0" y="0"/>
-          <a:ext cx="0" cy="0"/>
-          <a:chOff x="0" y="0"/>
-          <a:chExt cx="0" cy="0"/>
-        </a:xfrm>
-      </p:grpSpPr>
-      <p:sp>
-        <p:nvSpPr>
-          <p:cNvPr id="4" name="标题 3">
-            <a:extLst>
-              <a:ext uri="{FF2B5EF4-FFF2-40B4-BE49-F238E27FC236}">
-                <a16:creationId xmlns:a16="http://schemas.microsoft.com/office/drawing/2014/main" id="{2729939D-814A-4BD2-9922-3F8EA865938B}"/>
-              </a:ext>
-            </a:extLst>
-          </p:cNvPr>
-          <p:cNvSpPr>
-            <a:spLocks noGrp="1"/>
-          </p:cNvSpPr>
-          <p:nvPr>
-            <p:ph type="title"/>
-          </p:nvPr>
-        </p:nvSpPr>
-        <p:spPr>
-          <a:xfrm>
-            <a:off x="838200" y="683581"/>
-            <a:ext cx="10515600" cy="736846"/>
-          </a:xfrm>
-        </p:spPr>
-        <p:txBody>
-          <a:bodyPr/>
-          <a:lstStyle/>
-          <a:p>
-            <a:r>
-              <a:rPr lang="zh-CN" altLang="en-US" dirty="0"/>
-              <a:t>编写统一管理脚本控制</a:t>
-            </a:r>
-            <a:r>
-              <a:rPr lang="en-US" altLang="zh-CN" dirty="0"/>
-              <a:t>Nginx</a:t>
-            </a:r>
-            <a:r>
-              <a:rPr lang="zh-CN" altLang="en-US" dirty="0"/>
-              <a:t>，</a:t>
-            </a:r>
-            <a:r>
-              <a:rPr lang="en-US" altLang="zh-CN" dirty="0" err="1"/>
-              <a:t>php</a:t>
-            </a:r>
-            <a:r>
-              <a:rPr lang="en-US" altLang="zh-CN" dirty="0"/>
-              <a:t>-fpm</a:t>
-            </a:r>
-            <a:r>
-              <a:rPr lang="zh-CN" altLang="en-US" dirty="0"/>
-              <a:t>，</a:t>
-            </a:r>
-            <a:r>
-              <a:rPr lang="en-US" altLang="zh-CN" dirty="0"/>
-              <a:t>MySQL</a:t>
-            </a:r>
-            <a:endParaRPr lang="zh-CN" altLang="en-US" dirty="0"/>
-          </a:p>
-        </p:txBody>
-      </p:sp>
-      <p:sp>
-        <p:nvSpPr>
-          <p:cNvPr id="6" name="内容占位符 5">
-            <a:extLst>
-              <a:ext uri="{FF2B5EF4-FFF2-40B4-BE49-F238E27FC236}">
-                <a16:creationId xmlns:a16="http://schemas.microsoft.com/office/drawing/2014/main" id="{B83E9AD4-C606-4679-B884-01F71CC97E44}"/>
-              </a:ext>
-            </a:extLst>
-          </p:cNvPr>
-          <p:cNvSpPr>
-            <a:spLocks noGrp="1"/>
-          </p:cNvSpPr>
-          <p:nvPr>
-            <p:ph idx="1"/>
-          </p:nvPr>
-        </p:nvSpPr>
-        <p:spPr>
-          <a:xfrm>
-            <a:off x="838200" y="1656500"/>
-            <a:ext cx="10515600" cy="4850832"/>
-          </a:xfrm>
-        </p:spPr>
-        <p:txBody>
-          <a:bodyPr>
-            <a:normAutofit/>
-          </a:bodyPr>
-          <a:lstStyle/>
-          <a:p>
-            <a:r>
-              <a:rPr lang="zh-CN" altLang="en-US" sz="2000" dirty="0"/>
-              <a:t>通过一个脚本调用</a:t>
-            </a:r>
-            <a:r>
-              <a:rPr lang="en-US" altLang="zh-CN" sz="2000" dirty="0"/>
-              <a:t>Nginx</a:t>
-            </a:r>
-            <a:r>
-              <a:rPr lang="zh-CN" altLang="en-US" sz="2000" dirty="0"/>
-              <a:t>，</a:t>
-            </a:r>
-            <a:r>
-              <a:rPr lang="en-US" altLang="zh-CN" sz="2000" dirty="0" err="1"/>
-              <a:t>php</a:t>
-            </a:r>
-            <a:r>
-              <a:rPr lang="en-US" altLang="zh-CN" sz="2000" dirty="0"/>
-              <a:t>-fpm</a:t>
-            </a:r>
-            <a:r>
-              <a:rPr lang="zh-CN" altLang="en-US" sz="2000" dirty="0"/>
-              <a:t>，</a:t>
-            </a:r>
-            <a:r>
-              <a:rPr lang="en-US" altLang="zh-CN" sz="2000" dirty="0"/>
-              <a:t>MySQL</a:t>
-            </a:r>
-            <a:r>
-              <a:rPr lang="zh-CN" altLang="en-US" sz="2000" dirty="0"/>
-              <a:t>管理脚本即可实现统一管理。</a:t>
-            </a:r>
-            <a:endParaRPr lang="en-US" altLang="zh-CN" sz="2000" dirty="0"/>
-          </a:p>
-        </p:txBody>
-      </p:sp>
-    </p:spTree>
-    <p:extLst>
-      <p:ext uri="{BB962C8B-B14F-4D97-AF65-F5344CB8AC3E}">
-        <p14:creationId xmlns:p14="http://schemas.microsoft.com/office/powerpoint/2010/main" val="2122933119"/>
-      </p:ext>
-    </p:extLst>
-  </p:cSld>
-  <p:clrMapOvr>
-    <a:masterClrMapping/>
-  </p:clrMapOvr>
-</p:sld>
-</file>
-
-<file path=ppt/slides/slide12.xml><?xml version="1.0" encoding="utf-8"?>
-<p:sld xmlns:a="http://schemas.openxmlformats.org/drawingml/2006/main" xmlns:r="http://schemas.openxmlformats.org/officeDocument/2006/relationships" xmlns:p="http://schemas.openxmlformats.org/presentationml/2006/main">
-  <p:cSld>
-    <p:spTree>
-      <p:nvGrpSpPr>
-        <p:cNvPr id="1" name=""/>
-        <p:cNvGrpSpPr/>
-        <p:nvPr/>
-      </p:nvGrpSpPr>
-      <p:grpSpPr>
-        <a:xfrm>
-          <a:off x="0" y="0"/>
-          <a:ext cx="0" cy="0"/>
-          <a:chOff x="0" y="0"/>
-          <a:chExt cx="0" cy="0"/>
-        </a:xfrm>
-      </p:grpSpPr>
-      <p:sp>
-        <p:nvSpPr>
-          <p:cNvPr id="4" name="标题 3">
-            <a:extLst>
-              <a:ext uri="{FF2B5EF4-FFF2-40B4-BE49-F238E27FC236}">
-                <a16:creationId xmlns:a16="http://schemas.microsoft.com/office/drawing/2014/main" id="{2729939D-814A-4BD2-9922-3F8EA865938B}"/>
-              </a:ext>
-            </a:extLst>
-          </p:cNvPr>
-          <p:cNvSpPr>
-            <a:spLocks noGrp="1"/>
-          </p:cNvSpPr>
-          <p:nvPr>
-            <p:ph type="title"/>
-          </p:nvPr>
-        </p:nvSpPr>
-        <p:spPr>
-          <a:xfrm>
-            <a:off x="838200" y="683581"/>
-            <a:ext cx="10515600" cy="736846"/>
-          </a:xfrm>
-        </p:spPr>
-        <p:txBody>
-          <a:bodyPr/>
-          <a:lstStyle/>
-          <a:p>
-            <a:r>
-              <a:rPr lang="en-US" altLang="zh-CN" dirty="0"/>
-              <a:t>3</a:t>
-            </a:r>
-            <a:endParaRPr lang="zh-CN" altLang="en-US" dirty="0"/>
-          </a:p>
-        </p:txBody>
-      </p:sp>
-      <p:sp>
-        <p:nvSpPr>
-          <p:cNvPr id="3" name="内容占位符 2">
-            <a:extLst>
-              <a:ext uri="{FF2B5EF4-FFF2-40B4-BE49-F238E27FC236}">
-                <a16:creationId xmlns:a16="http://schemas.microsoft.com/office/drawing/2014/main" id="{ED7249CC-3D11-4FF8-8CF2-30C36502BA8B}"/>
-              </a:ext>
-            </a:extLst>
-          </p:cNvPr>
-          <p:cNvSpPr>
-            <a:spLocks noGrp="1"/>
-          </p:cNvSpPr>
-          <p:nvPr>
-            <p:ph idx="1"/>
-          </p:nvPr>
-        </p:nvSpPr>
-        <p:spPr/>
-        <p:txBody>
-          <a:bodyPr/>
-          <a:lstStyle/>
-          <a:p>
-            <a:pPr marL="0" indent="0" algn="ctr">
-              <a:buNone/>
-            </a:pPr>
-            <a:endParaRPr lang="en-US" altLang="zh-CN" dirty="0">
-              <a:solidFill>
-                <a:schemeClr val="accent1">
-                  <a:lumMod val="75000"/>
-                </a:schemeClr>
-              </a:solidFill>
-            </a:endParaRPr>
-          </a:p>
-          <a:p>
-            <a:pPr marL="0" indent="0" algn="ctr">
-              <a:buNone/>
-            </a:pPr>
-            <a:endParaRPr lang="en-US" altLang="zh-CN" dirty="0">
-              <a:solidFill>
-                <a:schemeClr val="accent1">
-                  <a:lumMod val="75000"/>
-                </a:schemeClr>
-              </a:solidFill>
-            </a:endParaRPr>
-          </a:p>
-          <a:p>
-            <a:pPr marL="0" indent="0" algn="ctr">
-              <a:buNone/>
-            </a:pPr>
-            <a:endParaRPr lang="en-US" altLang="zh-CN" dirty="0">
-              <a:solidFill>
-                <a:schemeClr val="accent1">
-                  <a:lumMod val="75000"/>
-                </a:schemeClr>
-              </a:solidFill>
-            </a:endParaRPr>
-          </a:p>
-          <a:p>
-            <a:pPr marL="0" indent="0" algn="ctr">
-              <a:buNone/>
-            </a:pPr>
-            <a:endParaRPr lang="en-US" altLang="zh-CN" dirty="0">
-              <a:solidFill>
-                <a:schemeClr val="accent1">
-                  <a:lumMod val="75000"/>
-                </a:schemeClr>
-              </a:solidFill>
-            </a:endParaRPr>
-          </a:p>
-          <a:p>
-            <a:pPr marL="0" indent="0" algn="ctr">
-              <a:buNone/>
-            </a:pPr>
-            <a:r>
-              <a:rPr lang="zh-CN" altLang="en-US" sz="3200" dirty="0">
-                <a:solidFill>
-                  <a:schemeClr val="accent1">
-                    <a:lumMod val="75000"/>
-                  </a:schemeClr>
-                </a:solidFill>
-              </a:rPr>
-              <a:t>编写</a:t>
-            </a:r>
-            <a:r>
-              <a:rPr lang="en-US" altLang="zh-CN" sz="3200" dirty="0">
-                <a:solidFill>
-                  <a:schemeClr val="accent1">
-                    <a:lumMod val="75000"/>
-                  </a:schemeClr>
-                </a:solidFill>
-              </a:rPr>
-              <a:t>PHP</a:t>
-            </a:r>
-            <a:r>
-              <a:rPr lang="zh-CN" altLang="en-US" sz="3200" dirty="0">
-                <a:solidFill>
-                  <a:schemeClr val="accent1">
-                    <a:lumMod val="75000"/>
-                  </a:schemeClr>
-                </a:solidFill>
-              </a:rPr>
-              <a:t>代码进行测试</a:t>
-            </a:r>
-          </a:p>
-        </p:txBody>
-      </p:sp>
-    </p:spTree>
-    <p:extLst>
-      <p:ext uri="{BB962C8B-B14F-4D97-AF65-F5344CB8AC3E}">
-        <p14:creationId xmlns:p14="http://schemas.microsoft.com/office/powerpoint/2010/main" val="1908713046"/>
-      </p:ext>
-    </p:extLst>
-  </p:cSld>
-  <p:clrMapOvr>
-    <a:masterClrMapping/>
-  </p:clrMapOvr>
-</p:sld>
-</file>
-
-<file path=ppt/slides/slide13.xml><?xml version="1.0" encoding="utf-8"?>
-<p:sld xmlns:a="http://schemas.openxmlformats.org/drawingml/2006/main" xmlns:r="http://schemas.openxmlformats.org/officeDocument/2006/relationships" xmlns:p="http://schemas.openxmlformats.org/presentationml/2006/main">
-  <p:cSld>
-    <p:spTree>
-      <p:nvGrpSpPr>
-        <p:cNvPr id="1" name=""/>
-        <p:cNvGrpSpPr/>
-        <p:nvPr/>
-      </p:nvGrpSpPr>
-      <p:grpSpPr>
-        <a:xfrm>
-          <a:off x="0" y="0"/>
-          <a:ext cx="0" cy="0"/>
-          <a:chOff x="0" y="0"/>
-          <a:chExt cx="0" cy="0"/>
-        </a:xfrm>
-      </p:grpSpPr>
-      <p:sp>
-        <p:nvSpPr>
-          <p:cNvPr id="4" name="标题 3">
-            <a:extLst>
-              <a:ext uri="{FF2B5EF4-FFF2-40B4-BE49-F238E27FC236}">
-                <a16:creationId xmlns:a16="http://schemas.microsoft.com/office/drawing/2014/main" id="{2729939D-814A-4BD2-9922-3F8EA865938B}"/>
-              </a:ext>
-            </a:extLst>
-          </p:cNvPr>
-          <p:cNvSpPr>
-            <a:spLocks noGrp="1"/>
-          </p:cNvSpPr>
-          <p:nvPr>
-            <p:ph type="title"/>
-          </p:nvPr>
-        </p:nvSpPr>
-        <p:spPr>
-          <a:xfrm>
-            <a:off x="838200" y="683581"/>
-            <a:ext cx="10515600" cy="736846"/>
-          </a:xfrm>
-        </p:spPr>
-        <p:txBody>
-          <a:bodyPr/>
-          <a:lstStyle/>
-          <a:p>
-            <a:r>
-              <a:rPr lang="en-US" altLang="zh-CN" dirty="0" err="1"/>
-              <a:t>phpinfo</a:t>
-            </a:r>
-            <a:endParaRPr lang="zh-CN" altLang="en-US" dirty="0"/>
-          </a:p>
-        </p:txBody>
-      </p:sp>
-      <p:sp>
-        <p:nvSpPr>
-          <p:cNvPr id="6" name="内容占位符 5">
-            <a:extLst>
-              <a:ext uri="{FF2B5EF4-FFF2-40B4-BE49-F238E27FC236}">
-                <a16:creationId xmlns:a16="http://schemas.microsoft.com/office/drawing/2014/main" id="{B83E9AD4-C606-4679-B884-01F71CC97E44}"/>
-              </a:ext>
-            </a:extLst>
-          </p:cNvPr>
-          <p:cNvSpPr>
-            <a:spLocks noGrp="1"/>
-          </p:cNvSpPr>
-          <p:nvPr>
-            <p:ph idx="1"/>
-          </p:nvPr>
-        </p:nvSpPr>
-        <p:spPr>
-          <a:xfrm>
-            <a:off x="838200" y="1656500"/>
-            <a:ext cx="10515600" cy="4850832"/>
-          </a:xfrm>
-        </p:spPr>
-        <p:txBody>
-          <a:bodyPr>
-            <a:normAutofit/>
-          </a:bodyPr>
-          <a:lstStyle/>
-          <a:p>
-            <a:endParaRPr lang="en-US" altLang="zh-CN" sz="2000" dirty="0"/>
-          </a:p>
-        </p:txBody>
-      </p:sp>
-    </p:spTree>
-    <p:extLst>
-      <p:ext uri="{BB962C8B-B14F-4D97-AF65-F5344CB8AC3E}">
-        <p14:creationId xmlns:p14="http://schemas.microsoft.com/office/powerpoint/2010/main" val="83696498"/>
-      </p:ext>
-    </p:extLst>
-  </p:cSld>
-  <p:clrMapOvr>
-    <a:masterClrMapping/>
-  </p:clrMapOvr>
-</p:sld>
-</file>
-
-<file path=ppt/slides/slide14.xml><?xml version="1.0" encoding="utf-8"?>
-<p:sld xmlns:a="http://schemas.openxmlformats.org/drawingml/2006/main" xmlns:r="http://schemas.openxmlformats.org/officeDocument/2006/relationships" xmlns:p="http://schemas.openxmlformats.org/presentationml/2006/main">
-  <p:cSld>
-    <p:spTree>
-      <p:nvGrpSpPr>
-        <p:cNvPr id="1" name=""/>
-        <p:cNvGrpSpPr/>
-        <p:nvPr/>
-      </p:nvGrpSpPr>
-      <p:grpSpPr>
-        <a:xfrm>
-          <a:off x="0" y="0"/>
-          <a:ext cx="0" cy="0"/>
-          <a:chOff x="0" y="0"/>
-          <a:chExt cx="0" cy="0"/>
-        </a:xfrm>
-      </p:grpSpPr>
-      <p:sp>
-        <p:nvSpPr>
-          <p:cNvPr id="4" name="标题 3">
-            <a:extLst>
-              <a:ext uri="{FF2B5EF4-FFF2-40B4-BE49-F238E27FC236}">
-                <a16:creationId xmlns:a16="http://schemas.microsoft.com/office/drawing/2014/main" id="{2729939D-814A-4BD2-9922-3F8EA865938B}"/>
-              </a:ext>
-            </a:extLst>
-          </p:cNvPr>
-          <p:cNvSpPr>
-            <a:spLocks noGrp="1"/>
-          </p:cNvSpPr>
-          <p:nvPr>
-            <p:ph type="title"/>
-          </p:nvPr>
-        </p:nvSpPr>
-        <p:spPr>
-          <a:xfrm>
-            <a:off x="838200" y="683581"/>
-            <a:ext cx="10515600" cy="736846"/>
-          </a:xfrm>
-        </p:spPr>
-        <p:txBody>
-          <a:bodyPr/>
-          <a:lstStyle/>
-          <a:p>
-            <a:r>
-              <a:rPr lang="zh-CN" altLang="en-US" dirty="0"/>
-              <a:t>数据库测试</a:t>
-            </a:r>
-          </a:p>
-        </p:txBody>
-      </p:sp>
-      <p:sp>
-        <p:nvSpPr>
-          <p:cNvPr id="6" name="内容占位符 5">
-            <a:extLst>
-              <a:ext uri="{FF2B5EF4-FFF2-40B4-BE49-F238E27FC236}">
-                <a16:creationId xmlns:a16="http://schemas.microsoft.com/office/drawing/2014/main" id="{B83E9AD4-C606-4679-B884-01F71CC97E44}"/>
-              </a:ext>
-            </a:extLst>
-          </p:cNvPr>
-          <p:cNvSpPr>
-            <a:spLocks noGrp="1"/>
-          </p:cNvSpPr>
-          <p:nvPr>
-            <p:ph idx="1"/>
-          </p:nvPr>
-        </p:nvSpPr>
-        <p:spPr>
-          <a:xfrm>
-            <a:off x="838200" y="1656500"/>
-            <a:ext cx="10515600" cy="4850832"/>
-          </a:xfrm>
-        </p:spPr>
-        <p:txBody>
-          <a:bodyPr>
-            <a:normAutofit/>
-          </a:bodyPr>
-          <a:lstStyle/>
-          <a:p>
-            <a:endParaRPr lang="en-US" altLang="zh-CN" sz="2000" dirty="0"/>
-          </a:p>
-        </p:txBody>
-      </p:sp>
-    </p:spTree>
-    <p:extLst>
-      <p:ext uri="{BB962C8B-B14F-4D97-AF65-F5344CB8AC3E}">
-        <p14:creationId xmlns:p14="http://schemas.microsoft.com/office/powerpoint/2010/main" val="220644065"/>
-      </p:ext>
-    </p:extLst>
-  </p:cSld>
-  <p:clrMapOvr>
-    <a:masterClrMapping/>
-  </p:clrMapOvr>
-</p:sld>
-</file>
-
 <file path=ppt/slides/slide2.xml><?xml version="1.0" encoding="utf-8"?>
 <p:sld xmlns:a="http://schemas.openxmlformats.org/drawingml/2006/main" xmlns:r="http://schemas.openxmlformats.org/officeDocument/2006/relationships" xmlns:p="http://schemas.openxmlformats.org/presentationml/2006/main">
   <p:cSld>
@@ -6073,12 +5407,9 @@
           <a:p>
             <a:r>
               <a:rPr lang="en-US" altLang="zh-CN" dirty="0"/>
-              <a:t>MariaDB</a:t>
-            </a:r>
-            <a:r>
-              <a:rPr lang="zh-CN" altLang="en-US" dirty="0"/>
-              <a:t>二进制版本安装配置</a:t>
-            </a:r>
+              <a:t>2</a:t>
+            </a:r>
+            <a:endParaRPr lang="zh-CN" altLang="en-US" dirty="0"/>
           </a:p>
         </p:txBody>
       </p:sp>
@@ -6087,7 +5418,7 @@
           <p:cNvPr id="3" name="内容占位符 2">
             <a:extLst>
               <a:ext uri="{FF2B5EF4-FFF2-40B4-BE49-F238E27FC236}">
-                <a16:creationId xmlns:a16="http://schemas.microsoft.com/office/drawing/2014/main" id="{96EE1DBA-F015-4E13-B948-F2CA77768E06}"/>
+                <a16:creationId xmlns:a16="http://schemas.microsoft.com/office/drawing/2014/main" id="{ED7249CC-3D11-4FF8-8CF2-30C36502BA8B}"/>
               </a:ext>
             </a:extLst>
           </p:cNvPr>
@@ -6098,67 +5429,79 @@
             <p:ph idx="1"/>
           </p:nvPr>
         </p:nvSpPr>
-        <p:spPr>
-          <a:xfrm>
-            <a:off x="838200" y="1656500"/>
-            <a:ext cx="10515600" cy="5037263"/>
-          </a:xfrm>
-        </p:spPr>
+        <p:spPr/>
         <p:txBody>
           <a:bodyPr/>
           <a:lstStyle/>
           <a:p>
-            <a:r>
-              <a:rPr lang="en-US" altLang="zh-CN" sz="2000" dirty="0"/>
-              <a:t>Linux + Nginx + MySQL/MariaDB + PHP/Python</a:t>
-            </a:r>
-          </a:p>
-          <a:p>
-            <a:r>
-              <a:rPr lang="zh-CN" altLang="en-US" sz="2000" dirty="0"/>
-              <a:t>简称为</a:t>
-            </a:r>
-            <a:r>
-              <a:rPr lang="en-US" altLang="zh-CN" sz="2000" dirty="0"/>
-              <a:t>LNMP</a:t>
-            </a:r>
-          </a:p>
-          <a:p>
-            <a:r>
-              <a:rPr lang="zh-CN" altLang="en-US" sz="2000" dirty="0"/>
-              <a:t>本课程使用</a:t>
-            </a:r>
-            <a:r>
-              <a:rPr lang="en-US" altLang="zh-CN" sz="2000" dirty="0"/>
-              <a:t>PHP</a:t>
-            </a:r>
-            <a:r>
-              <a:rPr lang="zh-CN" altLang="en-US" sz="2000" dirty="0"/>
-              <a:t>语言</a:t>
-            </a:r>
-            <a:endParaRPr lang="en-US" altLang="zh-CN" sz="2000" dirty="0"/>
-          </a:p>
-          <a:p>
-            <a:r>
-              <a:rPr lang="en-US" altLang="zh-CN" sz="2000" dirty="0"/>
-              <a:t>Linux</a:t>
-            </a:r>
-            <a:r>
-              <a:rPr lang="zh-CN" altLang="en-US" sz="2000" dirty="0"/>
-              <a:t>平台使用</a:t>
-            </a:r>
-            <a:r>
-              <a:rPr lang="en-US" altLang="zh-CN" sz="2000"/>
-              <a:t>Ubuntu16.04</a:t>
-            </a:r>
-            <a:endParaRPr lang="en-US" altLang="zh-CN" sz="2000" dirty="0"/>
+            <a:pPr marL="0" indent="0" algn="ctr">
+              <a:buNone/>
+            </a:pPr>
+            <a:endParaRPr lang="en-US" altLang="zh-CN" dirty="0">
+              <a:solidFill>
+                <a:schemeClr val="accent1">
+                  <a:lumMod val="75000"/>
+                </a:schemeClr>
+              </a:solidFill>
+            </a:endParaRPr>
+          </a:p>
+          <a:p>
+            <a:pPr marL="0" indent="0" algn="ctr">
+              <a:buNone/>
+            </a:pPr>
+            <a:endParaRPr lang="en-US" altLang="zh-CN" dirty="0">
+              <a:solidFill>
+                <a:schemeClr val="accent1">
+                  <a:lumMod val="75000"/>
+                </a:schemeClr>
+              </a:solidFill>
+            </a:endParaRPr>
+          </a:p>
+          <a:p>
+            <a:pPr marL="0" indent="0" algn="ctr">
+              <a:buNone/>
+            </a:pPr>
+            <a:endParaRPr lang="en-US" altLang="zh-CN" dirty="0">
+              <a:solidFill>
+                <a:schemeClr val="accent1">
+                  <a:lumMod val="75000"/>
+                </a:schemeClr>
+              </a:solidFill>
+            </a:endParaRPr>
+          </a:p>
+          <a:p>
+            <a:pPr marL="0" indent="0" algn="ctr">
+              <a:buNone/>
+            </a:pPr>
+            <a:endParaRPr lang="en-US" altLang="zh-CN" dirty="0">
+              <a:solidFill>
+                <a:schemeClr val="accent1">
+                  <a:lumMod val="75000"/>
+                </a:schemeClr>
+              </a:solidFill>
+            </a:endParaRPr>
+          </a:p>
+          <a:p>
+            <a:pPr marL="0" indent="0" algn="ctr">
+              <a:buNone/>
+            </a:pPr>
+            <a:r>
+              <a:rPr lang="zh-CN" altLang="en-US" sz="3200" dirty="0">
+                <a:solidFill>
+                  <a:schemeClr val="accent1">
+                    <a:lumMod val="75000"/>
+                  </a:schemeClr>
+                </a:solidFill>
+              </a:rPr>
+              <a:t>统一管理脚本</a:t>
+            </a:r>
           </a:p>
         </p:txBody>
       </p:sp>
     </p:spTree>
     <p:extLst>
       <p:ext uri="{BB962C8B-B14F-4D97-AF65-F5344CB8AC3E}">
-        <p14:creationId xmlns:p14="http://schemas.microsoft.com/office/powerpoint/2010/main" val="2317717954"/>
+        <p14:creationId xmlns:p14="http://schemas.microsoft.com/office/powerpoint/2010/main" val="678941122"/>
       </p:ext>
     </p:extLst>
   </p:cSld>
@@ -6212,13 +5555,34 @@
           <a:lstStyle/>
           <a:p>
             <a:r>
+              <a:rPr lang="zh-CN" altLang="en-US" dirty="0"/>
+              <a:t>编写统一管理脚本控制</a:t>
+            </a:r>
+            <a:r>
               <a:rPr lang="en-US" altLang="zh-CN" dirty="0"/>
-              <a:t>MySQL/MariaDB</a:t>
+              <a:t>Nginx</a:t>
             </a:r>
             <a:r>
               <a:rPr lang="zh-CN" altLang="en-US" dirty="0"/>
-              <a:t>配置文件</a:t>
-            </a:r>
+              <a:t>，</a:t>
+            </a:r>
+            <a:r>
+              <a:rPr lang="en-US" altLang="zh-CN" dirty="0" err="1"/>
+              <a:t>php</a:t>
+            </a:r>
+            <a:r>
+              <a:rPr lang="en-US" altLang="zh-CN" dirty="0"/>
+              <a:t>-fpm</a:t>
+            </a:r>
+            <a:r>
+              <a:rPr lang="zh-CN" altLang="en-US" dirty="0"/>
+              <a:t>，</a:t>
+            </a:r>
+            <a:r>
+              <a:rPr lang="en-US" altLang="zh-CN" dirty="0"/>
+              <a:t>MySQL</a:t>
+            </a:r>
+            <a:endParaRPr lang="zh-CN" altLang="en-US" dirty="0"/>
           </a:p>
         </p:txBody>
       </p:sp>
@@ -6252,15 +5616,27 @@
           <a:p>
             <a:r>
               <a:rPr lang="zh-CN" altLang="en-US" sz="2000" dirty="0"/>
-              <a:t>使用</a:t>
+              <a:t>通过一个脚本调用</a:t>
             </a:r>
             <a:r>
               <a:rPr lang="en-US" altLang="zh-CN" sz="2000" dirty="0"/>
-              <a:t>apt-get</a:t>
+              <a:t>Nginx</a:t>
             </a:r>
             <a:r>
               <a:rPr lang="zh-CN" altLang="en-US" sz="2000" dirty="0"/>
-              <a:t>安装</a:t>
+              <a:t>，</a:t>
+            </a:r>
+            <a:r>
+              <a:rPr lang="en-US" altLang="zh-CN" sz="2000" dirty="0" err="1"/>
+              <a:t>php</a:t>
+            </a:r>
+            <a:r>
+              <a:rPr lang="en-US" altLang="zh-CN" sz="2000" dirty="0"/>
+              <a:t>-fpm</a:t>
+            </a:r>
+            <a:r>
+              <a:rPr lang="zh-CN" altLang="en-US" sz="2000" dirty="0"/>
+              <a:t>，</a:t>
             </a:r>
             <a:r>
               <a:rPr lang="en-US" altLang="zh-CN" sz="2000" dirty="0"/>
@@ -6268,35 +5644,16 @@
             </a:r>
             <a:r>
               <a:rPr lang="zh-CN" altLang="en-US" sz="2000" dirty="0"/>
-              <a:t>，配置文件在</a:t>
-            </a:r>
-            <a:r>
-              <a:rPr lang="en-US" altLang="zh-CN" sz="2000" dirty="0"/>
-              <a:t>/</a:t>
-            </a:r>
-            <a:r>
-              <a:rPr lang="en-US" altLang="zh-CN" sz="2000" dirty="0" err="1"/>
-              <a:t>etc</a:t>
-            </a:r>
-            <a:r>
-              <a:rPr lang="en-US" altLang="zh-CN" sz="2000" dirty="0"/>
-              <a:t>/</a:t>
-            </a:r>
-            <a:r>
-              <a:rPr lang="en-US" altLang="zh-CN" sz="2000" dirty="0" err="1"/>
-              <a:t>mysql</a:t>
-            </a:r>
-            <a:r>
-              <a:rPr lang="en-US" altLang="zh-CN" sz="2000" dirty="0"/>
-              <a:t>/</a:t>
-            </a:r>
+              <a:t>管理脚本即可实现统一管理。</a:t>
+            </a:r>
+            <a:endParaRPr lang="en-US" altLang="zh-CN" sz="2000" dirty="0"/>
           </a:p>
         </p:txBody>
       </p:sp>
     </p:spTree>
     <p:extLst>
       <p:ext uri="{BB962C8B-B14F-4D97-AF65-F5344CB8AC3E}">
-        <p14:creationId xmlns:p14="http://schemas.microsoft.com/office/powerpoint/2010/main" val="2833520640"/>
+        <p14:creationId xmlns:p14="http://schemas.microsoft.com/office/powerpoint/2010/main" val="2122933119"/>
       </p:ext>
     </p:extLst>
   </p:cSld>
@@ -6351,21 +5708,18 @@
           <a:p>
             <a:r>
               <a:rPr lang="en-US" altLang="zh-CN" dirty="0"/>
-              <a:t>MariaDB</a:t>
-            </a:r>
-            <a:r>
-              <a:rPr lang="zh-CN" altLang="en-US" dirty="0"/>
-              <a:t>目录权限</a:t>
-            </a:r>
-          </a:p>
-        </p:txBody>
-      </p:sp>
-      <p:sp>
-        <p:nvSpPr>
-          <p:cNvPr id="6" name="内容占位符 5">
-            <a:extLst>
-              <a:ext uri="{FF2B5EF4-FFF2-40B4-BE49-F238E27FC236}">
-                <a16:creationId xmlns:a16="http://schemas.microsoft.com/office/drawing/2014/main" id="{B83E9AD4-C606-4679-B884-01F71CC97E44}"/>
+              <a:t>3</a:t>
+            </a:r>
+            <a:endParaRPr lang="zh-CN" altLang="en-US" dirty="0"/>
+          </a:p>
+        </p:txBody>
+      </p:sp>
+      <p:sp>
+        <p:nvSpPr>
+          <p:cNvPr id="3" name="内容占位符 2">
+            <a:extLst>
+              <a:ext uri="{FF2B5EF4-FFF2-40B4-BE49-F238E27FC236}">
+                <a16:creationId xmlns:a16="http://schemas.microsoft.com/office/drawing/2014/main" id="{ED7249CC-3D11-4FF8-8CF2-30C36502BA8B}"/>
               </a:ext>
             </a:extLst>
           </p:cNvPr>
@@ -6376,21 +5730,91 @@
             <p:ph idx="1"/>
           </p:nvPr>
         </p:nvSpPr>
-        <p:spPr>
-          <a:xfrm>
-            <a:off x="838200" y="1656500"/>
-            <a:ext cx="10515600" cy="4850832"/>
-          </a:xfrm>
-        </p:spPr>
-        <p:txBody>
-          <a:bodyPr>
-            <a:normAutofit/>
-          </a:bodyPr>
-          <a:lstStyle/>
-          <a:p>
-            <a:r>
-              <a:rPr lang="en-US" altLang="zh-CN" sz="2000" dirty="0"/>
-              <a:t> </a:t>
+        <p:spPr/>
+        <p:txBody>
+          <a:bodyPr/>
+          <a:lstStyle/>
+          <a:p>
+            <a:pPr marL="0" indent="0" algn="ctr">
+              <a:buNone/>
+            </a:pPr>
+            <a:endParaRPr lang="en-US" altLang="zh-CN" dirty="0">
+              <a:solidFill>
+                <a:schemeClr val="accent1">
+                  <a:lumMod val="75000"/>
+                </a:schemeClr>
+              </a:solidFill>
+            </a:endParaRPr>
+          </a:p>
+          <a:p>
+            <a:pPr marL="0" indent="0" algn="ctr">
+              <a:buNone/>
+            </a:pPr>
+            <a:endParaRPr lang="en-US" altLang="zh-CN" dirty="0">
+              <a:solidFill>
+                <a:schemeClr val="accent1">
+                  <a:lumMod val="75000"/>
+                </a:schemeClr>
+              </a:solidFill>
+            </a:endParaRPr>
+          </a:p>
+          <a:p>
+            <a:pPr marL="0" indent="0" algn="ctr">
+              <a:buNone/>
+            </a:pPr>
+            <a:endParaRPr lang="en-US" altLang="zh-CN" dirty="0">
+              <a:solidFill>
+                <a:schemeClr val="accent1">
+                  <a:lumMod val="75000"/>
+                </a:schemeClr>
+              </a:solidFill>
+            </a:endParaRPr>
+          </a:p>
+          <a:p>
+            <a:pPr marL="0" indent="0" algn="ctr">
+              <a:buNone/>
+            </a:pPr>
+            <a:endParaRPr lang="en-US" altLang="zh-CN" dirty="0">
+              <a:solidFill>
+                <a:schemeClr val="accent1">
+                  <a:lumMod val="75000"/>
+                </a:schemeClr>
+              </a:solidFill>
+            </a:endParaRPr>
+          </a:p>
+          <a:p>
+            <a:pPr marL="0" indent="0" algn="ctr">
+              <a:buNone/>
+            </a:pPr>
+            <a:r>
+              <a:rPr lang="zh-CN" altLang="en-US" sz="3200" dirty="0">
+                <a:solidFill>
+                  <a:schemeClr val="accent1">
+                    <a:lumMod val="75000"/>
+                  </a:schemeClr>
+                </a:solidFill>
+              </a:rPr>
+              <a:t>编写</a:t>
+            </a:r>
+            <a:r>
+              <a:rPr lang="en-US" altLang="zh-CN" sz="3200" dirty="0">
+                <a:solidFill>
+                  <a:schemeClr val="accent1">
+                    <a:lumMod val="75000"/>
+                  </a:schemeClr>
+                </a:solidFill>
+              </a:rPr>
+              <a:t>PHP</a:t>
+            </a:r>
+            <a:r>
+              <a:rPr lang="zh-CN" altLang="en-US" sz="3200" dirty="0">
+                <a:solidFill>
+                  <a:schemeClr val="accent1">
+                    <a:lumMod val="75000"/>
+                  </a:schemeClr>
+                </a:solidFill>
+              </a:rPr>
+              <a:t>代码进行测试</a:t>
             </a:r>
           </a:p>
         </p:txBody>
@@ -6398,7 +5822,7 @@
     </p:spTree>
     <p:extLst>
       <p:ext uri="{BB962C8B-B14F-4D97-AF65-F5344CB8AC3E}">
-        <p14:creationId xmlns:p14="http://schemas.microsoft.com/office/powerpoint/2010/main" val="1794698428"/>
+        <p14:creationId xmlns:p14="http://schemas.microsoft.com/office/powerpoint/2010/main" val="1908713046"/>
       </p:ext>
     </p:extLst>
   </p:cSld>
@@ -6452,17 +5876,10 @@
           <a:lstStyle/>
           <a:p>
             <a:r>
-              <a:rPr lang="zh-CN" altLang="en-US" dirty="0"/>
-              <a:t>创建</a:t>
-            </a:r>
-            <a:r>
-              <a:rPr lang="en-US" altLang="zh-CN" dirty="0"/>
-              <a:t>MySQL</a:t>
-            </a:r>
-            <a:r>
-              <a:rPr lang="zh-CN" altLang="en-US" dirty="0"/>
-              <a:t>用户</a:t>
-            </a:r>
+              <a:rPr lang="en-US" altLang="zh-CN" dirty="0" err="1"/>
+              <a:t>phpinfo</a:t>
+            </a:r>
+            <a:endParaRPr lang="zh-CN" altLang="en-US" dirty="0"/>
           </a:p>
         </p:txBody>
       </p:sp>
@@ -6494,17 +5911,14 @@
           </a:bodyPr>
           <a:lstStyle/>
           <a:p>
-            <a:r>
-              <a:rPr lang="en-US" altLang="zh-CN" sz="2000" dirty="0"/>
-              <a:t> </a:t>
-            </a:r>
+            <a:endParaRPr lang="en-US" altLang="zh-CN" sz="2000" dirty="0"/>
           </a:p>
         </p:txBody>
       </p:sp>
     </p:spTree>
     <p:extLst>
       <p:ext uri="{BB962C8B-B14F-4D97-AF65-F5344CB8AC3E}">
-        <p14:creationId xmlns:p14="http://schemas.microsoft.com/office/powerpoint/2010/main" val="228572354"/>
+        <p14:creationId xmlns:p14="http://schemas.microsoft.com/office/powerpoint/2010/main" val="83696498"/>
       </p:ext>
     </p:extLst>
   </p:cSld>
@@ -6559,15 +5973,7 @@
           <a:p>
             <a:r>
               <a:rPr lang="zh-CN" altLang="en-US" dirty="0"/>
-              <a:t>针对手动安装</a:t>
-            </a:r>
-            <a:r>
-              <a:rPr lang="en-US" altLang="zh-CN" dirty="0"/>
-              <a:t>MariaDB</a:t>
-            </a:r>
-            <a:r>
-              <a:rPr lang="zh-CN" altLang="en-US" dirty="0"/>
-              <a:t>方式的管理脚本</a:t>
+              <a:t>数据库测试</a:t>
             </a:r>
           </a:p>
         </p:txBody>
@@ -6600,17 +6006,14 @@
           </a:bodyPr>
           <a:lstStyle/>
           <a:p>
-            <a:r>
-              <a:rPr lang="en-US" altLang="zh-CN" sz="2000" dirty="0"/>
-              <a:t> </a:t>
-            </a:r>
+            <a:endParaRPr lang="en-US" altLang="zh-CN" sz="2000" dirty="0"/>
           </a:p>
         </p:txBody>
       </p:sp>
     </p:spTree>
     <p:extLst>
       <p:ext uri="{BB962C8B-B14F-4D97-AF65-F5344CB8AC3E}">
-        <p14:creationId xmlns:p14="http://schemas.microsoft.com/office/powerpoint/2010/main" val="4114733528"/>
+        <p14:creationId xmlns:p14="http://schemas.microsoft.com/office/powerpoint/2010/main" val="220644065"/>
       </p:ext>
     </p:extLst>
   </p:cSld>

--- a/materials/slides/ch04-complete-lnmp.pptx
+++ b/materials/slides/ch04-complete-lnmp.pptx
@@ -5,21 +5,22 @@
     <p:sldMasterId id="2147483648" r:id="rId1"/>
   </p:sldMasterIdLst>
   <p:notesMasterIdLst>
-    <p:notesMasterId r:id="rId11"/>
+    <p:notesMasterId r:id="rId12"/>
   </p:notesMasterIdLst>
   <p:handoutMasterIdLst>
-    <p:handoutMasterId r:id="rId12"/>
+    <p:handoutMasterId r:id="rId13"/>
   </p:handoutMasterIdLst>
   <p:sldIdLst>
     <p:sldId id="257" r:id="rId2"/>
     <p:sldId id="256" r:id="rId3"/>
     <p:sldId id="258" r:id="rId4"/>
     <p:sldId id="276" r:id="rId5"/>
-    <p:sldId id="264" r:id="rId6"/>
-    <p:sldId id="266" r:id="rId7"/>
-    <p:sldId id="265" r:id="rId8"/>
-    <p:sldId id="274" r:id="rId9"/>
-    <p:sldId id="278" r:id="rId10"/>
+    <p:sldId id="279" r:id="rId6"/>
+    <p:sldId id="264" r:id="rId7"/>
+    <p:sldId id="266" r:id="rId8"/>
+    <p:sldId id="265" r:id="rId9"/>
+    <p:sldId id="274" r:id="rId10"/>
+    <p:sldId id="278" r:id="rId11"/>
   </p:sldIdLst>
   <p:sldSz cx="12192000" cy="6858000"/>
   <p:notesSz cx="6858000" cy="9144000"/>
@@ -223,7 +224,7 @@
           <a:p>
             <a:fld id="{E923E828-953C-4D4A-9B10-11E7329F433D}" type="datetimeFigureOut">
               <a:rPr lang="zh-CN" altLang="en-US" smtClean="0"/>
-              <a:t>2018/3/18</a:t>
+              <a:t>2018/3/21</a:t>
             </a:fld>
             <a:endParaRPr lang="zh-CN" altLang="en-US"/>
           </a:p>
@@ -404,7 +405,7 @@
           <a:p>
             <a:fld id="{867C5346-22E5-4085-8130-851344A84DFF}" type="datetimeFigureOut">
               <a:rPr lang="zh-CN" altLang="en-US" smtClean="0"/>
-              <a:t>2018/3/18</a:t>
+              <a:t>2018/3/21</a:t>
             </a:fld>
             <a:endParaRPr lang="zh-CN" altLang="en-US"/>
           </a:p>
@@ -821,7 +822,7 @@
           <a:p>
             <a:fld id="{9FB975F3-1C40-4D40-A7FE-36EEB7CAFC85}" type="slidenum">
               <a:rPr lang="zh-CN" altLang="en-US" smtClean="0"/>
-              <a:t>6</a:t>
+              <a:t>5</a:t>
             </a:fld>
             <a:endParaRPr lang="zh-CN" altLang="en-US"/>
           </a:p>
@@ -830,7 +831,7 @@
     </p:spTree>
     <p:extLst>
       <p:ext uri="{BB962C8B-B14F-4D97-AF65-F5344CB8AC3E}">
-        <p14:creationId xmlns:p14="http://schemas.microsoft.com/office/powerpoint/2010/main" val="368805351"/>
+        <p14:creationId xmlns:p14="http://schemas.microsoft.com/office/powerpoint/2010/main" val="1664659687"/>
       </p:ext>
     </p:extLst>
   </p:cSld>
@@ -905,7 +906,7 @@
           <a:p>
             <a:fld id="{9FB975F3-1C40-4D40-A7FE-36EEB7CAFC85}" type="slidenum">
               <a:rPr lang="zh-CN" altLang="en-US" smtClean="0"/>
-              <a:t>8</a:t>
+              <a:t>7</a:t>
             </a:fld>
             <a:endParaRPr lang="zh-CN" altLang="en-US"/>
           </a:p>
@@ -914,7 +915,7 @@
     </p:spTree>
     <p:extLst>
       <p:ext uri="{BB962C8B-B14F-4D97-AF65-F5344CB8AC3E}">
-        <p14:creationId xmlns:p14="http://schemas.microsoft.com/office/powerpoint/2010/main" val="1488317830"/>
+        <p14:creationId xmlns:p14="http://schemas.microsoft.com/office/powerpoint/2010/main" val="368805351"/>
       </p:ext>
     </p:extLst>
   </p:cSld>
@@ -990,6 +991,90 @@
             <a:fld id="{9FB975F3-1C40-4D40-A7FE-36EEB7CAFC85}" type="slidenum">
               <a:rPr lang="zh-CN" altLang="en-US" smtClean="0"/>
               <a:t>9</a:t>
+            </a:fld>
+            <a:endParaRPr lang="zh-CN" altLang="en-US"/>
+          </a:p>
+        </p:txBody>
+      </p:sp>
+    </p:spTree>
+    <p:extLst>
+      <p:ext uri="{BB962C8B-B14F-4D97-AF65-F5344CB8AC3E}">
+        <p14:creationId xmlns:p14="http://schemas.microsoft.com/office/powerpoint/2010/main" val="1488317830"/>
+      </p:ext>
+    </p:extLst>
+  </p:cSld>
+  <p:clrMapOvr>
+    <a:masterClrMapping/>
+  </p:clrMapOvr>
+</p:notes>
+</file>
+
+<file path=ppt/notesSlides/notesSlide5.xml><?xml version="1.0" encoding="utf-8"?>
+<p:notes xmlns:a="http://schemas.openxmlformats.org/drawingml/2006/main" xmlns:r="http://schemas.openxmlformats.org/officeDocument/2006/relationships" xmlns:p="http://schemas.openxmlformats.org/presentationml/2006/main">
+  <p:cSld>
+    <p:spTree>
+      <p:nvGrpSpPr>
+        <p:cNvPr id="1" name=""/>
+        <p:cNvGrpSpPr/>
+        <p:nvPr/>
+      </p:nvGrpSpPr>
+      <p:grpSpPr>
+        <a:xfrm>
+          <a:off x="0" y="0"/>
+          <a:ext cx="0" cy="0"/>
+          <a:chOff x="0" y="0"/>
+          <a:chExt cx="0" cy="0"/>
+        </a:xfrm>
+      </p:grpSpPr>
+      <p:sp>
+        <p:nvSpPr>
+          <p:cNvPr id="2" name="幻灯片图像占位符 1"/>
+          <p:cNvSpPr>
+            <a:spLocks noGrp="1" noRot="1" noChangeAspect="1"/>
+          </p:cNvSpPr>
+          <p:nvPr>
+            <p:ph type="sldImg"/>
+          </p:nvPr>
+        </p:nvSpPr>
+        <p:spPr/>
+      </p:sp>
+      <p:sp>
+        <p:nvSpPr>
+          <p:cNvPr id="3" name="备注占位符 2"/>
+          <p:cNvSpPr>
+            <a:spLocks noGrp="1"/>
+          </p:cNvSpPr>
+          <p:nvPr>
+            <p:ph type="body" idx="1"/>
+          </p:nvPr>
+        </p:nvSpPr>
+        <p:spPr/>
+        <p:txBody>
+          <a:bodyPr/>
+          <a:lstStyle/>
+          <a:p>
+            <a:endParaRPr lang="zh-CN" altLang="en-US" dirty="0"/>
+          </a:p>
+        </p:txBody>
+      </p:sp>
+      <p:sp>
+        <p:nvSpPr>
+          <p:cNvPr id="4" name="灯片编号占位符 3"/>
+          <p:cNvSpPr>
+            <a:spLocks noGrp="1"/>
+          </p:cNvSpPr>
+          <p:nvPr>
+            <p:ph type="sldNum" sz="quarter" idx="10"/>
+          </p:nvPr>
+        </p:nvSpPr>
+        <p:spPr/>
+        <p:txBody>
+          <a:bodyPr/>
+          <a:lstStyle/>
+          <a:p>
+            <a:fld id="{9FB975F3-1C40-4D40-A7FE-36EEB7CAFC85}" type="slidenum">
+              <a:rPr lang="zh-CN" altLang="en-US" smtClean="0"/>
+              <a:t>10</a:t>
             </a:fld>
             <a:endParaRPr lang="zh-CN" altLang="en-US"/>
           </a:p>
@@ -1166,7 +1251,7 @@
           <a:p>
             <a:fld id="{A5E21016-498F-4141-B0CA-D95A38CA7D62}" type="datetimeFigureOut">
               <a:rPr lang="zh-CN" altLang="en-US" smtClean="0"/>
-              <a:t>2018/3/18</a:t>
+              <a:t>2018/3/21</a:t>
             </a:fld>
             <a:endParaRPr lang="zh-CN" altLang="en-US"/>
           </a:p>
@@ -1396,7 +1481,7 @@
           <a:p>
             <a:fld id="{A5E21016-498F-4141-B0CA-D95A38CA7D62}" type="datetimeFigureOut">
               <a:rPr lang="zh-CN" altLang="en-US" smtClean="0"/>
-              <a:t>2018/3/18</a:t>
+              <a:t>2018/3/21</a:t>
             </a:fld>
             <a:endParaRPr lang="zh-CN" altLang="en-US"/>
           </a:p>
@@ -1631,7 +1716,7 @@
           <a:p>
             <a:fld id="{A5E21016-498F-4141-B0CA-D95A38CA7D62}" type="datetimeFigureOut">
               <a:rPr lang="zh-CN" altLang="en-US" smtClean="0"/>
-              <a:t>2018/3/18</a:t>
+              <a:t>2018/3/21</a:t>
             </a:fld>
             <a:endParaRPr lang="zh-CN" altLang="en-US"/>
           </a:p>
@@ -2193,7 +2278,7 @@
           <a:p>
             <a:fld id="{A5E21016-498F-4141-B0CA-D95A38CA7D62}" type="datetimeFigureOut">
               <a:rPr lang="zh-CN" altLang="en-US" smtClean="0"/>
-              <a:t>2018/3/18</a:t>
+              <a:t>2018/3/21</a:t>
             </a:fld>
             <a:endParaRPr lang="zh-CN" altLang="en-US"/>
           </a:p>
@@ -2490,7 +2575,7 @@
           <a:p>
             <a:fld id="{A5E21016-498F-4141-B0CA-D95A38CA7D62}" type="datetimeFigureOut">
               <a:rPr lang="zh-CN" altLang="en-US" smtClean="0"/>
-              <a:t>2018/3/18</a:t>
+              <a:t>2018/3/21</a:t>
             </a:fld>
             <a:endParaRPr lang="zh-CN" altLang="en-US"/>
           </a:p>
@@ -2929,7 +3014,7 @@
           <a:p>
             <a:fld id="{A5E21016-498F-4141-B0CA-D95A38CA7D62}" type="datetimeFigureOut">
               <a:rPr lang="zh-CN" altLang="en-US" smtClean="0"/>
-              <a:t>2018/3/18</a:t>
+              <a:t>2018/3/21</a:t>
             </a:fld>
             <a:endParaRPr lang="zh-CN" altLang="en-US"/>
           </a:p>
@@ -3102,7 +3187,7 @@
           <a:p>
             <a:fld id="{A5E21016-498F-4141-B0CA-D95A38CA7D62}" type="datetimeFigureOut">
               <a:rPr lang="zh-CN" altLang="en-US" smtClean="0"/>
-              <a:t>2018/3/18</a:t>
+              <a:t>2018/3/21</a:t>
             </a:fld>
             <a:endParaRPr lang="zh-CN" altLang="en-US"/>
           </a:p>
@@ -3239,7 +3324,7 @@
           <a:p>
             <a:fld id="{A5E21016-498F-4141-B0CA-D95A38CA7D62}" type="datetimeFigureOut">
               <a:rPr lang="zh-CN" altLang="en-US" smtClean="0"/>
-              <a:t>2018/3/18</a:t>
+              <a:t>2018/3/21</a:t>
             </a:fld>
             <a:endParaRPr lang="zh-CN" altLang="en-US"/>
           </a:p>
@@ -3577,7 +3662,7 @@
           <a:p>
             <a:fld id="{A5E21016-498F-4141-B0CA-D95A38CA7D62}" type="datetimeFigureOut">
               <a:rPr lang="zh-CN" altLang="en-US" smtClean="0"/>
-              <a:t>2018/3/18</a:t>
+              <a:t>2018/3/21</a:t>
             </a:fld>
             <a:endParaRPr lang="zh-CN" altLang="en-US"/>
           </a:p>
@@ -3892,7 +3977,7 @@
           <a:p>
             <a:fld id="{A5E21016-498F-4141-B0CA-D95A38CA7D62}" type="datetimeFigureOut">
               <a:rPr lang="zh-CN" altLang="en-US" smtClean="0"/>
-              <a:t>2018/3/18</a:t>
+              <a:t>2018/3/21</a:t>
             </a:fld>
             <a:endParaRPr lang="zh-CN" altLang="en-US"/>
           </a:p>
@@ -4635,6 +4720,101 @@
 </p:sld>
 </file>
 
+<file path=ppt/slides/slide10.xml><?xml version="1.0" encoding="utf-8"?>
+<p:sld xmlns:a="http://schemas.openxmlformats.org/drawingml/2006/main" xmlns:r="http://schemas.openxmlformats.org/officeDocument/2006/relationships" xmlns:p="http://schemas.openxmlformats.org/presentationml/2006/main">
+  <p:cSld>
+    <p:spTree>
+      <p:nvGrpSpPr>
+        <p:cNvPr id="1" name=""/>
+        <p:cNvGrpSpPr/>
+        <p:nvPr/>
+      </p:nvGrpSpPr>
+      <p:grpSpPr>
+        <a:xfrm>
+          <a:off x="0" y="0"/>
+          <a:ext cx="0" cy="0"/>
+          <a:chOff x="0" y="0"/>
+          <a:chExt cx="0" cy="0"/>
+        </a:xfrm>
+      </p:grpSpPr>
+      <p:sp>
+        <p:nvSpPr>
+          <p:cNvPr id="4" name="标题 3">
+            <a:extLst>
+              <a:ext uri="{FF2B5EF4-FFF2-40B4-BE49-F238E27FC236}">
+                <a16:creationId xmlns:a16="http://schemas.microsoft.com/office/drawing/2014/main" id="{2729939D-814A-4BD2-9922-3F8EA865938B}"/>
+              </a:ext>
+            </a:extLst>
+          </p:cNvPr>
+          <p:cNvSpPr>
+            <a:spLocks noGrp="1"/>
+          </p:cNvSpPr>
+          <p:nvPr>
+            <p:ph type="title"/>
+          </p:nvPr>
+        </p:nvSpPr>
+        <p:spPr>
+          <a:xfrm>
+            <a:off x="838200" y="683581"/>
+            <a:ext cx="10515600" cy="736846"/>
+          </a:xfrm>
+        </p:spPr>
+        <p:txBody>
+          <a:bodyPr/>
+          <a:lstStyle/>
+          <a:p>
+            <a:r>
+              <a:rPr lang="zh-CN" altLang="en-US" dirty="0"/>
+              <a:t>数据库测试</a:t>
+            </a:r>
+          </a:p>
+        </p:txBody>
+      </p:sp>
+      <p:sp>
+        <p:nvSpPr>
+          <p:cNvPr id="6" name="内容占位符 5">
+            <a:extLst>
+              <a:ext uri="{FF2B5EF4-FFF2-40B4-BE49-F238E27FC236}">
+                <a16:creationId xmlns:a16="http://schemas.microsoft.com/office/drawing/2014/main" id="{B83E9AD4-C606-4679-B884-01F71CC97E44}"/>
+              </a:ext>
+            </a:extLst>
+          </p:cNvPr>
+          <p:cNvSpPr>
+            <a:spLocks noGrp="1"/>
+          </p:cNvSpPr>
+          <p:nvPr>
+            <p:ph idx="1"/>
+          </p:nvPr>
+        </p:nvSpPr>
+        <p:spPr>
+          <a:xfrm>
+            <a:off x="838200" y="1656500"/>
+            <a:ext cx="10515600" cy="4850832"/>
+          </a:xfrm>
+        </p:spPr>
+        <p:txBody>
+          <a:bodyPr>
+            <a:normAutofit/>
+          </a:bodyPr>
+          <a:lstStyle/>
+          <a:p>
+            <a:endParaRPr lang="en-US" altLang="zh-CN" sz="2000" dirty="0"/>
+          </a:p>
+        </p:txBody>
+      </p:sp>
+    </p:spTree>
+    <p:extLst>
+      <p:ext uri="{BB962C8B-B14F-4D97-AF65-F5344CB8AC3E}">
+        <p14:creationId xmlns:p14="http://schemas.microsoft.com/office/powerpoint/2010/main" val="220644065"/>
+      </p:ext>
+    </p:extLst>
+  </p:cSld>
+  <p:clrMapOvr>
+    <a:masterClrMapping/>
+  </p:clrMapOvr>
+</p:sld>
+</file>
+
 <file path=ppt/slides/slide2.xml><?xml version="1.0" encoding="utf-8"?>
 <p:sld xmlns:a="http://schemas.openxmlformats.org/drawingml/2006/main" xmlns:r="http://schemas.openxmlformats.org/officeDocument/2006/relationships" xmlns:p="http://schemas.openxmlformats.org/presentationml/2006/main">
   <p:cSld>
@@ -4701,7 +4881,7 @@
             <p:ph idx="1"/>
             <p:extLst>
               <p:ext uri="{D42A27DB-BD31-4B8C-83A1-F6EECF244321}">
-                <p14:modId xmlns:p14="http://schemas.microsoft.com/office/powerpoint/2010/main" val="1089920755"/>
+                <p14:modId xmlns:p14="http://schemas.microsoft.com/office/powerpoint/2010/main" val="2409575017"/>
               </p:ext>
             </p:extLst>
           </p:nvPr>
@@ -4733,14 +4913,14 @@
                     <a:p>
                       <a:pPr lvl="4" algn="l"/>
                       <a:r>
-                        <a:rPr lang="en-US" altLang="zh-CN" sz="2000" b="0" dirty="0">
+                        <a:rPr lang="en-US" altLang="zh-CN" sz="2400" b="0" dirty="0">
                           <a:latin typeface="汉仪家书简" panose="02010609000101010101" pitchFamily="49" charset="-122"/>
                           <a:ea typeface="汉仪家书简" panose="02010609000101010101" pitchFamily="49" charset="-122"/>
                         </a:rPr>
                         <a:t>MySQL</a:t>
                       </a:r>
                       <a:r>
-                        <a:rPr lang="zh-CN" altLang="en-US" sz="2000" b="0" dirty="0">
+                        <a:rPr lang="zh-CN" altLang="en-US" sz="2400" b="0" dirty="0">
                           <a:latin typeface="汉仪家书简" panose="02010609000101010101" pitchFamily="49" charset="-122"/>
                           <a:ea typeface="汉仪家书简" panose="02010609000101010101" pitchFamily="49" charset="-122"/>
                         </a:rPr>
@@ -4791,11 +4971,25 @@
                     <a:p>
                       <a:pPr lvl="4" algn="l"/>
                       <a:r>
-                        <a:rPr lang="zh-CN" altLang="en-US" sz="2000" dirty="0">
+                        <a:rPr lang="zh-CN" altLang="en-US" sz="2400" dirty="0">
                           <a:latin typeface="汉仪家书简" panose="02010609000101010101" pitchFamily="49" charset="-122"/>
                           <a:ea typeface="汉仪家书简" panose="02010609000101010101" pitchFamily="49" charset="-122"/>
                         </a:rPr>
-                        <a:t>统一管理脚本</a:t>
+                        <a:t>编写</a:t>
+                      </a:r>
+                      <a:r>
+                        <a:rPr lang="en-US" altLang="zh-CN" sz="2400" dirty="0">
+                          <a:latin typeface="汉仪家书简" panose="02010609000101010101" pitchFamily="49" charset="-122"/>
+                          <a:ea typeface="汉仪家书简" panose="02010609000101010101" pitchFamily="49" charset="-122"/>
+                        </a:rPr>
+                        <a:t>PHP</a:t>
+                      </a:r>
+                      <a:r>
+                        <a:rPr lang="zh-CN" altLang="en-US" sz="2400" dirty="0">
+                          <a:latin typeface="汉仪家书简" panose="02010609000101010101" pitchFamily="49" charset="-122"/>
+                          <a:ea typeface="汉仪家书简" panose="02010609000101010101" pitchFamily="49" charset="-122"/>
+                        </a:rPr>
+                        <a:t>测试代码</a:t>
                       </a:r>
                     </a:p>
                   </a:txBody>
@@ -4842,25 +5036,25 @@
                     <a:p>
                       <a:pPr lvl="4" algn="l"/>
                       <a:r>
-                        <a:rPr lang="zh-CN" altLang="en-US" sz="2000" dirty="0">
+                        <a:rPr lang="zh-CN" altLang="en-US" sz="2400" dirty="0">
                           <a:latin typeface="汉仪家书简" panose="02010609000101010101" pitchFamily="49" charset="-122"/>
                           <a:ea typeface="汉仪家书简" panose="02010609000101010101" pitchFamily="49" charset="-122"/>
                         </a:rPr>
-                        <a:t>编写</a:t>
+                        <a:t>使用</a:t>
                       </a:r>
                       <a:r>
-                        <a:rPr lang="en-US" altLang="zh-CN" sz="2000" dirty="0">
+                        <a:rPr lang="en-US" altLang="zh-CN" sz="2400" dirty="0">
                           <a:latin typeface="汉仪家书简" panose="02010609000101010101" pitchFamily="49" charset="-122"/>
                           <a:ea typeface="汉仪家书简" panose="02010609000101010101" pitchFamily="49" charset="-122"/>
                         </a:rPr>
-                        <a:t>PHP</a:t>
+                        <a:t>composer</a:t>
                       </a:r>
                       <a:r>
-                        <a:rPr lang="zh-CN" altLang="en-US" sz="2000" dirty="0">
+                        <a:rPr lang="zh-CN" altLang="en-US" sz="2400" dirty="0">
                           <a:latin typeface="汉仪家书简" panose="02010609000101010101" pitchFamily="49" charset="-122"/>
                           <a:ea typeface="汉仪家书简" panose="02010609000101010101" pitchFamily="49" charset="-122"/>
                         </a:rPr>
-                        <a:t>代码进行测试</a:t>
+                        <a:t>进行模块化开发</a:t>
                       </a:r>
                     </a:p>
                   </a:txBody>
@@ -5347,6 +5541,107 @@
             </a:r>
             <a:endParaRPr lang="en-US" altLang="zh-CN" sz="2000" dirty="0"/>
           </a:p>
+          <a:p>
+            <a:endParaRPr lang="en-US" altLang="zh-CN" sz="2000" dirty="0"/>
+          </a:p>
+          <a:p>
+            <a:r>
+              <a:rPr lang="zh-CN" altLang="en-US" sz="2000" dirty="0">
+                <a:solidFill>
+                  <a:srgbClr val="C00000"/>
+                </a:solidFill>
+              </a:rPr>
+              <a:t>下载：如果需要自己配置</a:t>
+            </a:r>
+            <a:r>
+              <a:rPr lang="en-US" altLang="zh-CN" sz="2000" dirty="0">
+                <a:solidFill>
+                  <a:srgbClr val="C00000"/>
+                </a:solidFill>
+              </a:rPr>
+              <a:t>MariaDB</a:t>
+            </a:r>
+            <a:r>
+              <a:rPr lang="zh-CN" altLang="en-US" sz="2000" dirty="0">
+                <a:solidFill>
+                  <a:srgbClr val="C00000"/>
+                </a:solidFill>
+              </a:rPr>
+              <a:t>，可以在</a:t>
+            </a:r>
+            <a:r>
+              <a:rPr lang="en-US" altLang="zh-CN" sz="2000" dirty="0">
+                <a:solidFill>
+                  <a:srgbClr val="C00000"/>
+                </a:solidFill>
+              </a:rPr>
+              <a:t>MariaDB</a:t>
+            </a:r>
+            <a:r>
+              <a:rPr lang="zh-CN" altLang="en-US" sz="2000" dirty="0">
+                <a:solidFill>
+                  <a:srgbClr val="C00000"/>
+                </a:solidFill>
+              </a:rPr>
+              <a:t>下载页面上下载根据系统下载相对应版本，这里下载的是编译好的</a:t>
+            </a:r>
+            <a:r>
+              <a:rPr lang="en-US" altLang="zh-CN" sz="2000" dirty="0">
+                <a:solidFill>
+                  <a:srgbClr val="C00000"/>
+                </a:solidFill>
+              </a:rPr>
+              <a:t>Linux64</a:t>
+            </a:r>
+            <a:r>
+              <a:rPr lang="zh-CN" altLang="en-US" sz="2000" dirty="0">
+                <a:solidFill>
+                  <a:srgbClr val="C00000"/>
+                </a:solidFill>
+              </a:rPr>
+              <a:t>位版本。</a:t>
+            </a:r>
+            <a:r>
+              <a:rPr lang="en-US" altLang="zh-CN" sz="2000" dirty="0">
+                <a:solidFill>
+                  <a:srgbClr val="C00000"/>
+                </a:solidFill>
+              </a:rPr>
+              <a:t>MariaDB</a:t>
+            </a:r>
+            <a:r>
+              <a:rPr lang="zh-CN" altLang="en-US" sz="2000" dirty="0">
+                <a:solidFill>
+                  <a:srgbClr val="C00000"/>
+                </a:solidFill>
+              </a:rPr>
+              <a:t>编译过程比较麻烦，依赖库问题比较多，</a:t>
+            </a:r>
+            <a:r>
+              <a:rPr lang="en-US" altLang="zh-CN" sz="2000" dirty="0">
+                <a:solidFill>
+                  <a:srgbClr val="C00000"/>
+                </a:solidFill>
+              </a:rPr>
+              <a:t>MySQL</a:t>
+            </a:r>
+            <a:r>
+              <a:rPr lang="zh-CN" altLang="en-US" sz="2000" dirty="0">
+                <a:solidFill>
+                  <a:srgbClr val="C00000"/>
+                </a:solidFill>
+              </a:rPr>
+              <a:t>相对要容易些。</a:t>
+            </a:r>
+            <a:endParaRPr lang="en-US" altLang="zh-CN" sz="2000" dirty="0">
+              <a:solidFill>
+                <a:srgbClr val="C00000"/>
+              </a:solidFill>
+            </a:endParaRPr>
+          </a:p>
+          <a:p>
+            <a:endParaRPr lang="en-US" altLang="zh-CN" sz="2000" dirty="0"/>
+          </a:p>
         </p:txBody>
       </p:sp>
     </p:spTree>
@@ -5406,8 +5701,12 @@
           <a:lstStyle/>
           <a:p>
             <a:r>
+              <a:rPr lang="zh-CN" altLang="en-US" dirty="0"/>
+              <a:t>配置</a:t>
+            </a:r>
+            <a:r>
               <a:rPr lang="en-US" altLang="zh-CN" dirty="0"/>
-              <a:t>2</a:t>
+              <a:t>MariaDB</a:t>
             </a:r>
             <a:endParaRPr lang="zh-CN" altLang="en-US" dirty="0"/>
           </a:p>
@@ -5415,10 +5714,10 @@
       </p:sp>
       <p:sp>
         <p:nvSpPr>
-          <p:cNvPr id="3" name="内容占位符 2">
-            <a:extLst>
-              <a:ext uri="{FF2B5EF4-FFF2-40B4-BE49-F238E27FC236}">
-                <a16:creationId xmlns:a16="http://schemas.microsoft.com/office/drawing/2014/main" id="{ED7249CC-3D11-4FF8-8CF2-30C36502BA8B}"/>
+          <p:cNvPr id="6" name="内容占位符 5">
+            <a:extLst>
+              <a:ext uri="{FF2B5EF4-FFF2-40B4-BE49-F238E27FC236}">
+                <a16:creationId xmlns:a16="http://schemas.microsoft.com/office/drawing/2014/main" id="{B83E9AD4-C606-4679-B884-01F71CC97E44}"/>
               </a:ext>
             </a:extLst>
           </p:cNvPr>
@@ -5429,79 +5728,29 @@
             <p:ph idx="1"/>
           </p:nvPr>
         </p:nvSpPr>
-        <p:spPr/>
-        <p:txBody>
-          <a:bodyPr/>
-          <a:lstStyle/>
-          <a:p>
-            <a:pPr marL="0" indent="0" algn="ctr">
-              <a:buNone/>
-            </a:pPr>
-            <a:endParaRPr lang="en-US" altLang="zh-CN" dirty="0">
-              <a:solidFill>
-                <a:schemeClr val="accent1">
-                  <a:lumMod val="75000"/>
-                </a:schemeClr>
-              </a:solidFill>
-            </a:endParaRPr>
-          </a:p>
-          <a:p>
-            <a:pPr marL="0" indent="0" algn="ctr">
-              <a:buNone/>
-            </a:pPr>
-            <a:endParaRPr lang="en-US" altLang="zh-CN" dirty="0">
-              <a:solidFill>
-                <a:schemeClr val="accent1">
-                  <a:lumMod val="75000"/>
-                </a:schemeClr>
-              </a:solidFill>
-            </a:endParaRPr>
-          </a:p>
-          <a:p>
-            <a:pPr marL="0" indent="0" algn="ctr">
-              <a:buNone/>
-            </a:pPr>
-            <a:endParaRPr lang="en-US" altLang="zh-CN" dirty="0">
-              <a:solidFill>
-                <a:schemeClr val="accent1">
-                  <a:lumMod val="75000"/>
-                </a:schemeClr>
-              </a:solidFill>
-            </a:endParaRPr>
-          </a:p>
-          <a:p>
-            <a:pPr marL="0" indent="0" algn="ctr">
-              <a:buNone/>
-            </a:pPr>
-            <a:endParaRPr lang="en-US" altLang="zh-CN" dirty="0">
-              <a:solidFill>
-                <a:schemeClr val="accent1">
-                  <a:lumMod val="75000"/>
-                </a:schemeClr>
-              </a:solidFill>
-            </a:endParaRPr>
-          </a:p>
-          <a:p>
-            <a:pPr marL="0" indent="0" algn="ctr">
-              <a:buNone/>
-            </a:pPr>
-            <a:r>
-              <a:rPr lang="zh-CN" altLang="en-US" sz="3200" dirty="0">
-                <a:solidFill>
-                  <a:schemeClr val="accent1">
-                    <a:lumMod val="75000"/>
-                  </a:schemeClr>
-                </a:solidFill>
-              </a:rPr>
-              <a:t>统一管理脚本</a:t>
-            </a:r>
+        <p:spPr>
+          <a:xfrm>
+            <a:off x="838200" y="1656500"/>
+            <a:ext cx="10515600" cy="4850832"/>
+          </a:xfrm>
+        </p:spPr>
+        <p:txBody>
+          <a:bodyPr>
+            <a:normAutofit/>
+          </a:bodyPr>
+          <a:lstStyle/>
+          <a:p>
+            <a:endParaRPr lang="en-US" altLang="zh-CN" sz="2000" dirty="0"/>
+          </a:p>
+          <a:p>
+            <a:endParaRPr lang="en-US" altLang="zh-CN" sz="2000" dirty="0"/>
           </a:p>
         </p:txBody>
       </p:sp>
     </p:spTree>
     <p:extLst>
       <p:ext uri="{BB962C8B-B14F-4D97-AF65-F5344CB8AC3E}">
-        <p14:creationId xmlns:p14="http://schemas.microsoft.com/office/powerpoint/2010/main" val="678941122"/>
+        <p14:creationId xmlns:p14="http://schemas.microsoft.com/office/powerpoint/2010/main" val="242884598"/>
       </p:ext>
     </p:extLst>
   </p:cSld>
@@ -5555,32 +5804,8 @@
           <a:lstStyle/>
           <a:p>
             <a:r>
-              <a:rPr lang="zh-CN" altLang="en-US" dirty="0"/>
-              <a:t>编写统一管理脚本控制</a:t>
-            </a:r>
-            <a:r>
               <a:rPr lang="en-US" altLang="zh-CN" dirty="0"/>
-              <a:t>Nginx</a:t>
-            </a:r>
-            <a:r>
-              <a:rPr lang="zh-CN" altLang="en-US" dirty="0"/>
-              <a:t>，</a:t>
-            </a:r>
-            <a:r>
-              <a:rPr lang="en-US" altLang="zh-CN" dirty="0" err="1"/>
-              <a:t>php</a:t>
-            </a:r>
-            <a:r>
-              <a:rPr lang="en-US" altLang="zh-CN" dirty="0"/>
-              <a:t>-fpm</a:t>
-            </a:r>
-            <a:r>
-              <a:rPr lang="zh-CN" altLang="en-US" dirty="0"/>
-              <a:t>，</a:t>
-            </a:r>
-            <a:r>
-              <a:rPr lang="en-US" altLang="zh-CN" dirty="0"/>
-              <a:t>MySQL</a:t>
+              <a:t>2</a:t>
             </a:r>
             <a:endParaRPr lang="zh-CN" altLang="en-US" dirty="0"/>
           </a:p>
@@ -5588,10 +5813,10 @@
       </p:sp>
       <p:sp>
         <p:nvSpPr>
-          <p:cNvPr id="6" name="内容占位符 5">
-            <a:extLst>
-              <a:ext uri="{FF2B5EF4-FFF2-40B4-BE49-F238E27FC236}">
-                <a16:creationId xmlns:a16="http://schemas.microsoft.com/office/drawing/2014/main" id="{B83E9AD4-C606-4679-B884-01F71CC97E44}"/>
+          <p:cNvPr id="3" name="内容占位符 2">
+            <a:extLst>
+              <a:ext uri="{FF2B5EF4-FFF2-40B4-BE49-F238E27FC236}">
+                <a16:creationId xmlns:a16="http://schemas.microsoft.com/office/drawing/2014/main" id="{ED7249CC-3D11-4FF8-8CF2-30C36502BA8B}"/>
               </a:ext>
             </a:extLst>
           </p:cNvPr>
@@ -5602,58 +5827,99 @@
             <p:ph idx="1"/>
           </p:nvPr>
         </p:nvSpPr>
-        <p:spPr>
-          <a:xfrm>
-            <a:off x="838200" y="1656500"/>
-            <a:ext cx="10515600" cy="4850832"/>
-          </a:xfrm>
-        </p:spPr>
-        <p:txBody>
-          <a:bodyPr>
-            <a:normAutofit/>
-          </a:bodyPr>
-          <a:lstStyle/>
-          <a:p>
-            <a:r>
-              <a:rPr lang="zh-CN" altLang="en-US" sz="2000" dirty="0"/>
-              <a:t>通过一个脚本调用</a:t>
-            </a:r>
-            <a:r>
-              <a:rPr lang="en-US" altLang="zh-CN" sz="2000" dirty="0"/>
-              <a:t>Nginx</a:t>
-            </a:r>
-            <a:r>
-              <a:rPr lang="zh-CN" altLang="en-US" sz="2000" dirty="0"/>
-              <a:t>，</a:t>
-            </a:r>
-            <a:r>
-              <a:rPr lang="en-US" altLang="zh-CN" sz="2000" dirty="0" err="1"/>
-              <a:t>php</a:t>
-            </a:r>
-            <a:r>
-              <a:rPr lang="en-US" altLang="zh-CN" sz="2000" dirty="0"/>
-              <a:t>-fpm</a:t>
-            </a:r>
-            <a:r>
-              <a:rPr lang="zh-CN" altLang="en-US" sz="2000" dirty="0"/>
-              <a:t>，</a:t>
-            </a:r>
-            <a:r>
-              <a:rPr lang="en-US" altLang="zh-CN" sz="2000" dirty="0"/>
-              <a:t>MySQL</a:t>
-            </a:r>
-            <a:r>
-              <a:rPr lang="zh-CN" altLang="en-US" sz="2000" dirty="0"/>
-              <a:t>管理脚本即可实现统一管理。</a:t>
-            </a:r>
-            <a:endParaRPr lang="en-US" altLang="zh-CN" sz="2000" dirty="0"/>
+        <p:spPr/>
+        <p:txBody>
+          <a:bodyPr/>
+          <a:lstStyle/>
+          <a:p>
+            <a:pPr marL="0" indent="0" algn="ctr">
+              <a:buNone/>
+            </a:pPr>
+            <a:endParaRPr lang="en-US" altLang="zh-CN" dirty="0">
+              <a:solidFill>
+                <a:schemeClr val="accent1">
+                  <a:lumMod val="75000"/>
+                </a:schemeClr>
+              </a:solidFill>
+            </a:endParaRPr>
+          </a:p>
+          <a:p>
+            <a:pPr marL="0" indent="0" algn="ctr">
+              <a:buNone/>
+            </a:pPr>
+            <a:endParaRPr lang="en-US" altLang="zh-CN" dirty="0">
+              <a:solidFill>
+                <a:schemeClr val="accent1">
+                  <a:lumMod val="75000"/>
+                </a:schemeClr>
+              </a:solidFill>
+            </a:endParaRPr>
+          </a:p>
+          <a:p>
+            <a:pPr marL="0" indent="0" algn="ctr">
+              <a:buNone/>
+            </a:pPr>
+            <a:endParaRPr lang="en-US" altLang="zh-CN" dirty="0">
+              <a:solidFill>
+                <a:schemeClr val="accent1">
+                  <a:lumMod val="75000"/>
+                </a:schemeClr>
+              </a:solidFill>
+            </a:endParaRPr>
+          </a:p>
+          <a:p>
+            <a:pPr marL="0" indent="0" algn="ctr">
+              <a:buNone/>
+            </a:pPr>
+            <a:endParaRPr lang="en-US" altLang="zh-CN" dirty="0">
+              <a:solidFill>
+                <a:schemeClr val="accent1">
+                  <a:lumMod val="75000"/>
+                </a:schemeClr>
+              </a:solidFill>
+            </a:endParaRPr>
+          </a:p>
+          <a:p>
+            <a:pPr marL="0" indent="0" algn="ctr">
+              <a:buNone/>
+            </a:pPr>
+            <a:r>
+              <a:rPr lang="zh-CN" altLang="en-US" sz="3200" dirty="0">
+                <a:solidFill>
+                  <a:schemeClr val="accent1">
+                    <a:lumMod val="75000"/>
+                  </a:schemeClr>
+                </a:solidFill>
+              </a:rPr>
+              <a:t>编写</a:t>
+            </a:r>
+            <a:r>
+              <a:rPr lang="en-US" altLang="zh-CN" sz="3200" dirty="0">
+                <a:solidFill>
+                  <a:schemeClr val="accent1">
+                    <a:lumMod val="75000"/>
+                  </a:schemeClr>
+                </a:solidFill>
+              </a:rPr>
+              <a:t>PHP</a:t>
+            </a:r>
+            <a:r>
+              <a:rPr lang="zh-CN" altLang="en-US" sz="3200" dirty="0">
+                <a:solidFill>
+                  <a:schemeClr val="accent1">
+                    <a:lumMod val="75000"/>
+                  </a:schemeClr>
+                </a:solidFill>
+              </a:rPr>
+              <a:t>测试代码</a:t>
+            </a:r>
           </a:p>
         </p:txBody>
       </p:sp>
     </p:spTree>
     <p:extLst>
       <p:ext uri="{BB962C8B-B14F-4D97-AF65-F5344CB8AC3E}">
-        <p14:creationId xmlns:p14="http://schemas.microsoft.com/office/powerpoint/2010/main" val="2122933119"/>
+        <p14:creationId xmlns:p14="http://schemas.microsoft.com/office/powerpoint/2010/main" val="678941122"/>
       </p:ext>
     </p:extLst>
   </p:cSld>
@@ -5706,20 +5972,16 @@
           <a:bodyPr/>
           <a:lstStyle/>
           <a:p>
-            <a:r>
-              <a:rPr lang="en-US" altLang="zh-CN" dirty="0"/>
-              <a:t>3</a:t>
-            </a:r>
             <a:endParaRPr lang="zh-CN" altLang="en-US" dirty="0"/>
           </a:p>
         </p:txBody>
       </p:sp>
       <p:sp>
         <p:nvSpPr>
-          <p:cNvPr id="3" name="内容占位符 2">
-            <a:extLst>
-              <a:ext uri="{FF2B5EF4-FFF2-40B4-BE49-F238E27FC236}">
-                <a16:creationId xmlns:a16="http://schemas.microsoft.com/office/drawing/2014/main" id="{ED7249CC-3D11-4FF8-8CF2-30C36502BA8B}"/>
+          <p:cNvPr id="6" name="内容占位符 5">
+            <a:extLst>
+              <a:ext uri="{FF2B5EF4-FFF2-40B4-BE49-F238E27FC236}">
+                <a16:creationId xmlns:a16="http://schemas.microsoft.com/office/drawing/2014/main" id="{B83E9AD4-C606-4679-B884-01F71CC97E44}"/>
               </a:ext>
             </a:extLst>
           </p:cNvPr>
@@ -5730,99 +5992,58 @@
             <p:ph idx="1"/>
           </p:nvPr>
         </p:nvSpPr>
-        <p:spPr/>
-        <p:txBody>
-          <a:bodyPr/>
-          <a:lstStyle/>
-          <a:p>
-            <a:pPr marL="0" indent="0" algn="ctr">
-              <a:buNone/>
-            </a:pPr>
-            <a:endParaRPr lang="en-US" altLang="zh-CN" dirty="0">
-              <a:solidFill>
-                <a:schemeClr val="accent1">
-                  <a:lumMod val="75000"/>
-                </a:schemeClr>
-              </a:solidFill>
-            </a:endParaRPr>
-          </a:p>
-          <a:p>
-            <a:pPr marL="0" indent="0" algn="ctr">
-              <a:buNone/>
-            </a:pPr>
-            <a:endParaRPr lang="en-US" altLang="zh-CN" dirty="0">
-              <a:solidFill>
-                <a:schemeClr val="accent1">
-                  <a:lumMod val="75000"/>
-                </a:schemeClr>
-              </a:solidFill>
-            </a:endParaRPr>
-          </a:p>
-          <a:p>
-            <a:pPr marL="0" indent="0" algn="ctr">
-              <a:buNone/>
-            </a:pPr>
-            <a:endParaRPr lang="en-US" altLang="zh-CN" dirty="0">
-              <a:solidFill>
-                <a:schemeClr val="accent1">
-                  <a:lumMod val="75000"/>
-                </a:schemeClr>
-              </a:solidFill>
-            </a:endParaRPr>
-          </a:p>
-          <a:p>
-            <a:pPr marL="0" indent="0" algn="ctr">
-              <a:buNone/>
-            </a:pPr>
-            <a:endParaRPr lang="en-US" altLang="zh-CN" dirty="0">
-              <a:solidFill>
-                <a:schemeClr val="accent1">
-                  <a:lumMod val="75000"/>
-                </a:schemeClr>
-              </a:solidFill>
-            </a:endParaRPr>
-          </a:p>
-          <a:p>
-            <a:pPr marL="0" indent="0" algn="ctr">
-              <a:buNone/>
-            </a:pPr>
-            <a:r>
-              <a:rPr lang="zh-CN" altLang="en-US" sz="3200" dirty="0">
-                <a:solidFill>
-                  <a:schemeClr val="accent1">
-                    <a:lumMod val="75000"/>
-                  </a:schemeClr>
-                </a:solidFill>
-              </a:rPr>
-              <a:t>编写</a:t>
-            </a:r>
-            <a:r>
-              <a:rPr lang="en-US" altLang="zh-CN" sz="3200" dirty="0">
-                <a:solidFill>
-                  <a:schemeClr val="accent1">
-                    <a:lumMod val="75000"/>
-                  </a:schemeClr>
-                </a:solidFill>
-              </a:rPr>
-              <a:t>PHP</a:t>
-            </a:r>
-            <a:r>
-              <a:rPr lang="zh-CN" altLang="en-US" sz="3200" dirty="0">
-                <a:solidFill>
-                  <a:schemeClr val="accent1">
-                    <a:lumMod val="75000"/>
-                  </a:schemeClr>
-                </a:solidFill>
-              </a:rPr>
-              <a:t>代码进行测试</a:t>
-            </a:r>
+        <p:spPr>
+          <a:xfrm>
+            <a:off x="838200" y="1656500"/>
+            <a:ext cx="10515600" cy="4850832"/>
+          </a:xfrm>
+        </p:spPr>
+        <p:txBody>
+          <a:bodyPr>
+            <a:normAutofit/>
+          </a:bodyPr>
+          <a:lstStyle/>
+          <a:p>
+            <a:r>
+              <a:rPr lang="zh-CN" altLang="en-US" sz="2000" dirty="0"/>
+              <a:t>通过一个脚本调用</a:t>
+            </a:r>
+            <a:r>
+              <a:rPr lang="en-US" altLang="zh-CN" sz="2000" dirty="0"/>
+              <a:t>Nginx</a:t>
+            </a:r>
+            <a:r>
+              <a:rPr lang="zh-CN" altLang="en-US" sz="2000" dirty="0"/>
+              <a:t>，</a:t>
+            </a:r>
+            <a:r>
+              <a:rPr lang="en-US" altLang="zh-CN" sz="2000" dirty="0" err="1"/>
+              <a:t>php</a:t>
+            </a:r>
+            <a:r>
+              <a:rPr lang="en-US" altLang="zh-CN" sz="2000" dirty="0"/>
+              <a:t>-fpm</a:t>
+            </a:r>
+            <a:r>
+              <a:rPr lang="zh-CN" altLang="en-US" sz="2000" dirty="0"/>
+              <a:t>，</a:t>
+            </a:r>
+            <a:r>
+              <a:rPr lang="en-US" altLang="zh-CN" sz="2000" dirty="0"/>
+              <a:t>MySQL</a:t>
+            </a:r>
+            <a:r>
+              <a:rPr lang="zh-CN" altLang="en-US" sz="2000" dirty="0"/>
+              <a:t>管理脚本即可实现统一管理。</a:t>
+            </a:r>
+            <a:endParaRPr lang="en-US" altLang="zh-CN" sz="2000" dirty="0"/>
           </a:p>
         </p:txBody>
       </p:sp>
     </p:spTree>
     <p:extLst>
       <p:ext uri="{BB962C8B-B14F-4D97-AF65-F5344CB8AC3E}">
-        <p14:creationId xmlns:p14="http://schemas.microsoft.com/office/powerpoint/2010/main" val="1908713046"/>
+        <p14:creationId xmlns:p14="http://schemas.microsoft.com/office/powerpoint/2010/main" val="2122933119"/>
       </p:ext>
     </p:extLst>
   </p:cSld>
@@ -5876,8 +6097,8 @@
           <a:lstStyle/>
           <a:p>
             <a:r>
-              <a:rPr lang="en-US" altLang="zh-CN" dirty="0" err="1"/>
-              <a:t>phpinfo</a:t>
+              <a:rPr lang="en-US" altLang="zh-CN" dirty="0"/>
+              <a:t>3</a:t>
             </a:r>
             <a:endParaRPr lang="zh-CN" altLang="en-US" dirty="0"/>
           </a:p>
@@ -5885,10 +6106,10 @@
       </p:sp>
       <p:sp>
         <p:nvSpPr>
-          <p:cNvPr id="6" name="内容占位符 5">
-            <a:extLst>
-              <a:ext uri="{FF2B5EF4-FFF2-40B4-BE49-F238E27FC236}">
-                <a16:creationId xmlns:a16="http://schemas.microsoft.com/office/drawing/2014/main" id="{B83E9AD4-C606-4679-B884-01F71CC97E44}"/>
+          <p:cNvPr id="3" name="内容占位符 2">
+            <a:extLst>
+              <a:ext uri="{FF2B5EF4-FFF2-40B4-BE49-F238E27FC236}">
+                <a16:creationId xmlns:a16="http://schemas.microsoft.com/office/drawing/2014/main" id="{ED7249CC-3D11-4FF8-8CF2-30C36502BA8B}"/>
               </a:ext>
             </a:extLst>
           </p:cNvPr>
@@ -5899,26 +6120,99 @@
             <p:ph idx="1"/>
           </p:nvPr>
         </p:nvSpPr>
-        <p:spPr>
-          <a:xfrm>
-            <a:off x="838200" y="1656500"/>
-            <a:ext cx="10515600" cy="4850832"/>
-          </a:xfrm>
-        </p:spPr>
-        <p:txBody>
-          <a:bodyPr>
-            <a:normAutofit/>
-          </a:bodyPr>
-          <a:lstStyle/>
-          <a:p>
-            <a:endParaRPr lang="en-US" altLang="zh-CN" sz="2000" dirty="0"/>
+        <p:spPr/>
+        <p:txBody>
+          <a:bodyPr/>
+          <a:lstStyle/>
+          <a:p>
+            <a:pPr marL="0" indent="0" algn="ctr">
+              <a:buNone/>
+            </a:pPr>
+            <a:endParaRPr lang="en-US" altLang="zh-CN" dirty="0">
+              <a:solidFill>
+                <a:schemeClr val="accent1">
+                  <a:lumMod val="75000"/>
+                </a:schemeClr>
+              </a:solidFill>
+            </a:endParaRPr>
+          </a:p>
+          <a:p>
+            <a:pPr marL="0" indent="0" algn="ctr">
+              <a:buNone/>
+            </a:pPr>
+            <a:endParaRPr lang="en-US" altLang="zh-CN" dirty="0">
+              <a:solidFill>
+                <a:schemeClr val="accent1">
+                  <a:lumMod val="75000"/>
+                </a:schemeClr>
+              </a:solidFill>
+            </a:endParaRPr>
+          </a:p>
+          <a:p>
+            <a:pPr marL="0" indent="0" algn="ctr">
+              <a:buNone/>
+            </a:pPr>
+            <a:endParaRPr lang="en-US" altLang="zh-CN" dirty="0">
+              <a:solidFill>
+                <a:schemeClr val="accent1">
+                  <a:lumMod val="75000"/>
+                </a:schemeClr>
+              </a:solidFill>
+            </a:endParaRPr>
+          </a:p>
+          <a:p>
+            <a:pPr marL="0" indent="0" algn="ctr">
+              <a:buNone/>
+            </a:pPr>
+            <a:endParaRPr lang="en-US" altLang="zh-CN" dirty="0">
+              <a:solidFill>
+                <a:schemeClr val="accent1">
+                  <a:lumMod val="75000"/>
+                </a:schemeClr>
+              </a:solidFill>
+            </a:endParaRPr>
+          </a:p>
+          <a:p>
+            <a:pPr marL="0" indent="0" algn="ctr">
+              <a:buNone/>
+            </a:pPr>
+            <a:r>
+              <a:rPr lang="zh-CN" altLang="en-US" sz="3200" dirty="0">
+                <a:solidFill>
+                  <a:schemeClr val="accent1">
+                    <a:lumMod val="75000"/>
+                  </a:schemeClr>
+                </a:solidFill>
+              </a:rPr>
+              <a:t>编写</a:t>
+            </a:r>
+            <a:r>
+              <a:rPr lang="en-US" altLang="zh-CN" sz="3200" dirty="0">
+                <a:solidFill>
+                  <a:schemeClr val="accent1">
+                    <a:lumMod val="75000"/>
+                  </a:schemeClr>
+                </a:solidFill>
+              </a:rPr>
+              <a:t>PHP</a:t>
+            </a:r>
+            <a:r>
+              <a:rPr lang="zh-CN" altLang="en-US" sz="3200" dirty="0">
+                <a:solidFill>
+                  <a:schemeClr val="accent1">
+                    <a:lumMod val="75000"/>
+                  </a:schemeClr>
+                </a:solidFill>
+              </a:rPr>
+              <a:t>代码进行测试</a:t>
+            </a:r>
           </a:p>
         </p:txBody>
       </p:sp>
     </p:spTree>
     <p:extLst>
       <p:ext uri="{BB962C8B-B14F-4D97-AF65-F5344CB8AC3E}">
-        <p14:creationId xmlns:p14="http://schemas.microsoft.com/office/powerpoint/2010/main" val="83696498"/>
+        <p14:creationId xmlns:p14="http://schemas.microsoft.com/office/powerpoint/2010/main" val="1908713046"/>
       </p:ext>
     </p:extLst>
   </p:cSld>
@@ -5972,9 +6266,10 @@
           <a:lstStyle/>
           <a:p>
             <a:r>
-              <a:rPr lang="zh-CN" altLang="en-US" dirty="0"/>
-              <a:t>数据库测试</a:t>
-            </a:r>
+              <a:rPr lang="en-US" altLang="zh-CN" dirty="0" err="1"/>
+              <a:t>phpinfo</a:t>
+            </a:r>
+            <a:endParaRPr lang="zh-CN" altLang="en-US" dirty="0"/>
           </a:p>
         </p:txBody>
       </p:sp>
@@ -6013,7 +6308,7 @@
     </p:spTree>
     <p:extLst>
       <p:ext uri="{BB962C8B-B14F-4D97-AF65-F5344CB8AC3E}">
-        <p14:creationId xmlns:p14="http://schemas.microsoft.com/office/powerpoint/2010/main" val="220644065"/>
+        <p14:creationId xmlns:p14="http://schemas.microsoft.com/office/powerpoint/2010/main" val="83696498"/>
       </p:ext>
     </p:extLst>
   </p:cSld>

--- a/materials/slides/ch04-complete-lnmp.pptx
+++ b/materials/slides/ch04-complete-lnmp.pptx
@@ -224,7 +224,7 @@
           <a:p>
             <a:fld id="{E923E828-953C-4D4A-9B10-11E7329F433D}" type="datetimeFigureOut">
               <a:rPr lang="zh-CN" altLang="en-US" smtClean="0"/>
-              <a:t>2018/3/21</a:t>
+              <a:t>2018/3/22</a:t>
             </a:fld>
             <a:endParaRPr lang="zh-CN" altLang="en-US"/>
           </a:p>
@@ -405,7 +405,7 @@
           <a:p>
             <a:fld id="{867C5346-22E5-4085-8130-851344A84DFF}" type="datetimeFigureOut">
               <a:rPr lang="zh-CN" altLang="en-US" smtClean="0"/>
-              <a:t>2018/3/21</a:t>
+              <a:t>2018/3/22</a:t>
             </a:fld>
             <a:endParaRPr lang="zh-CN" altLang="en-US"/>
           </a:p>
@@ -1251,7 +1251,7 @@
           <a:p>
             <a:fld id="{A5E21016-498F-4141-B0CA-D95A38CA7D62}" type="datetimeFigureOut">
               <a:rPr lang="zh-CN" altLang="en-US" smtClean="0"/>
-              <a:t>2018/3/21</a:t>
+              <a:t>2018/3/22</a:t>
             </a:fld>
             <a:endParaRPr lang="zh-CN" altLang="en-US"/>
           </a:p>
@@ -1481,7 +1481,7 @@
           <a:p>
             <a:fld id="{A5E21016-498F-4141-B0CA-D95A38CA7D62}" type="datetimeFigureOut">
               <a:rPr lang="zh-CN" altLang="en-US" smtClean="0"/>
-              <a:t>2018/3/21</a:t>
+              <a:t>2018/3/22</a:t>
             </a:fld>
             <a:endParaRPr lang="zh-CN" altLang="en-US"/>
           </a:p>
@@ -1716,7 +1716,7 @@
           <a:p>
             <a:fld id="{A5E21016-498F-4141-B0CA-D95A38CA7D62}" type="datetimeFigureOut">
               <a:rPr lang="zh-CN" altLang="en-US" smtClean="0"/>
-              <a:t>2018/3/21</a:t>
+              <a:t>2018/3/22</a:t>
             </a:fld>
             <a:endParaRPr lang="zh-CN" altLang="en-US"/>
           </a:p>
@@ -2278,7 +2278,7 @@
           <a:p>
             <a:fld id="{A5E21016-498F-4141-B0CA-D95A38CA7D62}" type="datetimeFigureOut">
               <a:rPr lang="zh-CN" altLang="en-US" smtClean="0"/>
-              <a:t>2018/3/21</a:t>
+              <a:t>2018/3/22</a:t>
             </a:fld>
             <a:endParaRPr lang="zh-CN" altLang="en-US"/>
           </a:p>
@@ -2575,7 +2575,7 @@
           <a:p>
             <a:fld id="{A5E21016-498F-4141-B0CA-D95A38CA7D62}" type="datetimeFigureOut">
               <a:rPr lang="zh-CN" altLang="en-US" smtClean="0"/>
-              <a:t>2018/3/21</a:t>
+              <a:t>2018/3/22</a:t>
             </a:fld>
             <a:endParaRPr lang="zh-CN" altLang="en-US"/>
           </a:p>
@@ -3014,7 +3014,7 @@
           <a:p>
             <a:fld id="{A5E21016-498F-4141-B0CA-D95A38CA7D62}" type="datetimeFigureOut">
               <a:rPr lang="zh-CN" altLang="en-US" smtClean="0"/>
-              <a:t>2018/3/21</a:t>
+              <a:t>2018/3/22</a:t>
             </a:fld>
             <a:endParaRPr lang="zh-CN" altLang="en-US"/>
           </a:p>
@@ -3187,7 +3187,7 @@
           <a:p>
             <a:fld id="{A5E21016-498F-4141-B0CA-D95A38CA7D62}" type="datetimeFigureOut">
               <a:rPr lang="zh-CN" altLang="en-US" smtClean="0"/>
-              <a:t>2018/3/21</a:t>
+              <a:t>2018/3/22</a:t>
             </a:fld>
             <a:endParaRPr lang="zh-CN" altLang="en-US"/>
           </a:p>
@@ -3324,7 +3324,7 @@
           <a:p>
             <a:fld id="{A5E21016-498F-4141-B0CA-D95A38CA7D62}" type="datetimeFigureOut">
               <a:rPr lang="zh-CN" altLang="en-US" smtClean="0"/>
-              <a:t>2018/3/21</a:t>
+              <a:t>2018/3/22</a:t>
             </a:fld>
             <a:endParaRPr lang="zh-CN" altLang="en-US"/>
           </a:p>
@@ -3662,7 +3662,7 @@
           <a:p>
             <a:fld id="{A5E21016-498F-4141-B0CA-D95A38CA7D62}" type="datetimeFigureOut">
               <a:rPr lang="zh-CN" altLang="en-US" smtClean="0"/>
-              <a:t>2018/3/21</a:t>
+              <a:t>2018/3/22</a:t>
             </a:fld>
             <a:endParaRPr lang="zh-CN" altLang="en-US"/>
           </a:p>
@@ -3977,7 +3977,7 @@
           <a:p>
             <a:fld id="{A5E21016-498F-4141-B0CA-D95A38CA7D62}" type="datetimeFigureOut">
               <a:rPr lang="zh-CN" altLang="en-US" smtClean="0"/>
-              <a:t>2018/3/21</a:t>
+              <a:t>2018/3/22</a:t>
             </a:fld>
             <a:endParaRPr lang="zh-CN" altLang="en-US"/>
           </a:p>
@@ -4765,7 +4765,7 @@
           <a:p>
             <a:r>
               <a:rPr lang="zh-CN" altLang="en-US" dirty="0"/>
-              <a:t>数据库测试</a:t>
+              <a:t>配置自己的自动加载目录</a:t>
             </a:r>
           </a:p>
         </p:txBody>
@@ -4798,7 +4798,189 @@
           </a:bodyPr>
           <a:lstStyle/>
           <a:p>
+            <a:r>
+              <a:rPr lang="zh-CN" altLang="en-US" sz="2000" dirty="0"/>
+              <a:t>这里给出的是一个自动加载目录配置示例：</a:t>
+            </a:r>
             <a:endParaRPr lang="en-US" altLang="zh-CN" sz="2000" dirty="0"/>
+          </a:p>
+          <a:p>
+            <a:r>
+              <a:rPr lang="zh-CN" altLang="en-US" sz="2000" dirty="0"/>
+              <a:t>打开</a:t>
+            </a:r>
+            <a:r>
+              <a:rPr lang="en-US" altLang="zh-CN" sz="2000" dirty="0" err="1"/>
+              <a:t>composer.json</a:t>
+            </a:r>
+            <a:r>
+              <a:rPr lang="zh-CN" altLang="en-US" sz="2000" dirty="0"/>
+              <a:t>文件，写入以下内容：</a:t>
+            </a:r>
+            <a:endParaRPr lang="en-US" altLang="zh-CN" sz="2000" dirty="0"/>
+          </a:p>
+          <a:p>
+            <a:pPr marL="457200" lvl="1" indent="0">
+              <a:buNone/>
+            </a:pPr>
+            <a:r>
+              <a:rPr lang="en-US" altLang="zh-CN" sz="1600" dirty="0"/>
+              <a:t>“autoload”:{</a:t>
+            </a:r>
+          </a:p>
+          <a:p>
+            <a:pPr marL="457200" lvl="1" indent="0">
+              <a:buNone/>
+            </a:pPr>
+            <a:r>
+              <a:rPr lang="zh-CN" altLang="en-US" sz="1600" dirty="0"/>
+              <a:t>        “</a:t>
+            </a:r>
+            <a:r>
+              <a:rPr lang="en-US" altLang="zh-CN" sz="1600" dirty="0"/>
+              <a:t>files</a:t>
+            </a:r>
+            <a:r>
+              <a:rPr lang="zh-CN" altLang="en-US" sz="1600" dirty="0"/>
+              <a:t>”</a:t>
+            </a:r>
+            <a:r>
+              <a:rPr lang="en-US" altLang="zh-CN" sz="1600" dirty="0"/>
+              <a:t>:[“./lib/</a:t>
+            </a:r>
+            <a:r>
+              <a:rPr lang="en-US" altLang="zh-CN" sz="1600" dirty="0" err="1"/>
+              <a:t>common.php</a:t>
+            </a:r>
+            <a:r>
+              <a:rPr lang="en-US" altLang="zh-CN" sz="1600" dirty="0"/>
+              <a:t>”],</a:t>
+            </a:r>
+          </a:p>
+          <a:p>
+            <a:pPr marL="457200" lvl="1" indent="0">
+              <a:buNone/>
+            </a:pPr>
+            <a:r>
+              <a:rPr lang="en-US" altLang="zh-CN" sz="1600" dirty="0"/>
+              <a:t>        “psr-4”:{</a:t>
+            </a:r>
+          </a:p>
+          <a:p>
+            <a:pPr marL="457200" lvl="1" indent="0">
+              <a:buNone/>
+            </a:pPr>
+            <a:r>
+              <a:rPr lang="en-US" altLang="zh-CN" sz="1600" dirty="0"/>
+              <a:t>                “</a:t>
+            </a:r>
+            <a:r>
+              <a:rPr lang="en-US" altLang="zh-CN" sz="1600" dirty="0" err="1"/>
+              <a:t>drt</a:t>
+            </a:r>
+            <a:r>
+              <a:rPr lang="en-US" altLang="zh-CN" sz="1600" dirty="0"/>
+              <a:t>\\”:”</a:t>
+            </a:r>
+            <a:r>
+              <a:rPr lang="en-US" altLang="zh-CN" sz="1600" dirty="0" err="1"/>
+              <a:t>drt</a:t>
+            </a:r>
+            <a:r>
+              <a:rPr lang="en-US" altLang="zh-CN" sz="1600" dirty="0"/>
+              <a:t>”,</a:t>
+            </a:r>
+          </a:p>
+          <a:p>
+            <a:pPr marL="457200" lvl="1" indent="0">
+              <a:buNone/>
+            </a:pPr>
+            <a:r>
+              <a:rPr lang="en-US" altLang="zh-CN" sz="1600" dirty="0"/>
+              <a:t>                “</a:t>
+            </a:r>
+            <a:r>
+              <a:rPr lang="en-US" altLang="zh-CN" sz="1600" dirty="0" err="1"/>
+              <a:t>drt</a:t>
+            </a:r>
+            <a:r>
+              <a:rPr lang="en-US" altLang="zh-CN" sz="1600" dirty="0"/>
+              <a:t>\\core”:”</a:t>
+            </a:r>
+            <a:r>
+              <a:rPr lang="en-US" altLang="zh-CN" sz="1600" dirty="0" err="1"/>
+              <a:t>drt</a:t>
+            </a:r>
+            <a:r>
+              <a:rPr lang="en-US" altLang="zh-CN" sz="1600" dirty="0"/>
+              <a:t>/core”,</a:t>
+            </a:r>
+          </a:p>
+          <a:p>
+            <a:pPr marL="457200" lvl="1" indent="0">
+              <a:buNone/>
+            </a:pPr>
+            <a:r>
+              <a:rPr lang="en-US" altLang="zh-CN" sz="1600" dirty="0"/>
+              <a:t>                “</a:t>
+            </a:r>
+            <a:r>
+              <a:rPr lang="en-US" altLang="zh-CN" sz="1600" dirty="0" err="1"/>
+              <a:t>model”:”model</a:t>
+            </a:r>
+            <a:r>
+              <a:rPr lang="en-US" altLang="zh-CN" sz="1600" dirty="0"/>
+              <a:t>”,</a:t>
+            </a:r>
+          </a:p>
+          <a:p>
+            <a:pPr marL="457200" lvl="1" indent="0">
+              <a:buNone/>
+            </a:pPr>
+            <a:r>
+              <a:rPr lang="en-US" altLang="zh-CN" sz="1600" dirty="0"/>
+              <a:t>                “</a:t>
+            </a:r>
+            <a:r>
+              <a:rPr lang="en-US" altLang="zh-CN" sz="1600" dirty="0" err="1"/>
+              <a:t>action”:”action</a:t>
+            </a:r>
+            <a:r>
+              <a:rPr lang="en-US" altLang="zh-CN" sz="1600" dirty="0"/>
+              <a:t>”</a:t>
+            </a:r>
+          </a:p>
+          <a:p>
+            <a:pPr marL="457200" lvl="1" indent="0">
+              <a:buNone/>
+            </a:pPr>
+            <a:r>
+              <a:rPr lang="en-US" altLang="zh-CN" sz="1600" dirty="0"/>
+              <a:t>        }</a:t>
+            </a:r>
+          </a:p>
+          <a:p>
+            <a:pPr marL="457200" lvl="1" indent="0">
+              <a:buNone/>
+            </a:pPr>
+            <a:r>
+              <a:rPr lang="en-US" altLang="zh-CN" sz="1600" dirty="0"/>
+              <a:t>}</a:t>
+            </a:r>
+          </a:p>
+          <a:p>
+            <a:r>
+              <a:rPr lang="zh-CN" altLang="en-US" sz="2000" dirty="0"/>
+              <a:t>然后运行：</a:t>
+            </a:r>
+            <a:r>
+              <a:rPr lang="en-US" altLang="zh-CN" sz="2000" dirty="0" err="1"/>
+              <a:t>composer.phar</a:t>
+            </a:r>
+            <a:r>
+              <a:rPr lang="en-US" altLang="zh-CN" sz="2000" dirty="0"/>
+              <a:t>  dump-autoload</a:t>
+            </a:r>
           </a:p>
         </p:txBody>
       </p:sp>
@@ -4881,7 +5063,7 @@
             <p:ph idx="1"/>
             <p:extLst>
               <p:ext uri="{D42A27DB-BD31-4B8C-83A1-F6EECF244321}">
-                <p14:modId xmlns:p14="http://schemas.microsoft.com/office/powerpoint/2010/main" val="2409575017"/>
+                <p14:modId xmlns:p14="http://schemas.microsoft.com/office/powerpoint/2010/main" val="2322527481"/>
               </p:ext>
             </p:extLst>
           </p:nvPr>
@@ -4975,21 +5157,7 @@
                           <a:latin typeface="汉仪家书简" panose="02010609000101010101" pitchFamily="49" charset="-122"/>
                           <a:ea typeface="汉仪家书简" panose="02010609000101010101" pitchFamily="49" charset="-122"/>
                         </a:rPr>
-                        <a:t>编写</a:t>
-                      </a:r>
-                      <a:r>
-                        <a:rPr lang="en-US" altLang="zh-CN" sz="2400" dirty="0">
-                          <a:latin typeface="汉仪家书简" panose="02010609000101010101" pitchFamily="49" charset="-122"/>
-                          <a:ea typeface="汉仪家书简" panose="02010609000101010101" pitchFamily="49" charset="-122"/>
-                        </a:rPr>
-                        <a:t>PHP</a:t>
-                      </a:r>
-                      <a:r>
-                        <a:rPr lang="zh-CN" altLang="en-US" sz="2400" dirty="0">
-                          <a:latin typeface="汉仪家书简" panose="02010609000101010101" pitchFamily="49" charset="-122"/>
-                          <a:ea typeface="汉仪家书简" panose="02010609000101010101" pitchFamily="49" charset="-122"/>
-                        </a:rPr>
-                        <a:t>测试代码</a:t>
+                        <a:t>启动运行环境</a:t>
                       </a:r>
                     </a:p>
                   </a:txBody>
@@ -5740,6 +5908,338 @@
           </a:bodyPr>
           <a:lstStyle/>
           <a:p>
+            <a:r>
+              <a:rPr lang="zh-CN" altLang="en-US" sz="2000" dirty="0"/>
+              <a:t>此内容源于实际部署过程中的配置记录。下载的</a:t>
+            </a:r>
+            <a:r>
+              <a:rPr lang="en-US" altLang="zh-CN" sz="2000" dirty="0"/>
+              <a:t>MariaDB</a:t>
+            </a:r>
+            <a:r>
+              <a:rPr lang="zh-CN" altLang="en-US" sz="2000" dirty="0"/>
+              <a:t>编译好的二进制版本并解压。把解压的目录移动到</a:t>
+            </a:r>
+            <a:r>
+              <a:rPr lang="en-US" altLang="zh-CN" sz="2000" dirty="0"/>
+              <a:t>/</a:t>
+            </a:r>
+            <a:r>
+              <a:rPr lang="en-US" altLang="zh-CN" sz="2000" dirty="0" err="1"/>
+              <a:t>webrun</a:t>
+            </a:r>
+            <a:r>
+              <a:rPr lang="en-US" altLang="zh-CN" sz="2000" dirty="0"/>
+              <a:t>/</a:t>
+            </a:r>
+            <a:r>
+              <a:rPr lang="zh-CN" altLang="en-US" sz="2000" dirty="0"/>
+              <a:t>目录并命名为</a:t>
+            </a:r>
+            <a:r>
+              <a:rPr lang="en-US" altLang="zh-CN" sz="2000" dirty="0" err="1"/>
+              <a:t>mariadb</a:t>
+            </a:r>
+            <a:r>
+              <a:rPr lang="zh-CN" altLang="en-US" sz="2000" dirty="0"/>
+              <a:t>，然后切换到</a:t>
+            </a:r>
+            <a:r>
+              <a:rPr lang="en-US" altLang="zh-CN" sz="2000" dirty="0"/>
+              <a:t>/</a:t>
+            </a:r>
+            <a:r>
+              <a:rPr lang="en-US" altLang="zh-CN" sz="2000" dirty="0" err="1"/>
+              <a:t>webrun</a:t>
+            </a:r>
+            <a:r>
+              <a:rPr lang="en-US" altLang="zh-CN" sz="2000" dirty="0"/>
+              <a:t>/</a:t>
+            </a:r>
+            <a:r>
+              <a:rPr lang="en-US" altLang="zh-CN" sz="2000" dirty="0" err="1"/>
+              <a:t>mariadb</a:t>
+            </a:r>
+            <a:r>
+              <a:rPr lang="zh-CN" altLang="en-US" sz="2000" dirty="0"/>
+              <a:t>目录。</a:t>
+            </a:r>
+            <a:endParaRPr lang="en-US" altLang="zh-CN" sz="2000" dirty="0"/>
+          </a:p>
+          <a:p>
+            <a:r>
+              <a:rPr lang="zh-CN" altLang="en-US" sz="2000" dirty="0"/>
+              <a:t>创建</a:t>
+            </a:r>
+            <a:r>
+              <a:rPr lang="en-US" altLang="zh-CN" sz="2000" dirty="0" err="1"/>
+              <a:t>etc</a:t>
+            </a:r>
+            <a:r>
+              <a:rPr lang="zh-CN" altLang="en-US" sz="2000" dirty="0"/>
+              <a:t>目录并创建需要的配置文件。</a:t>
+            </a:r>
+            <a:endParaRPr lang="en-US" altLang="zh-CN" sz="2000" dirty="0"/>
+          </a:p>
+          <a:p>
+            <a:r>
+              <a:rPr lang="zh-CN" altLang="en-US" sz="2000" dirty="0"/>
+              <a:t>创建</a:t>
+            </a:r>
+            <a:r>
+              <a:rPr lang="en-US" altLang="zh-CN" sz="2000" dirty="0" err="1"/>
+              <a:t>mysql</a:t>
+            </a:r>
+            <a:r>
+              <a:rPr lang="zh-CN" altLang="en-US" sz="2000" dirty="0"/>
+              <a:t>用户：</a:t>
+            </a:r>
+            <a:r>
+              <a:rPr lang="en-US" altLang="zh-CN" sz="2000" dirty="0" err="1"/>
+              <a:t>sudo</a:t>
+            </a:r>
+            <a:r>
+              <a:rPr lang="en-US" altLang="zh-CN" sz="2000" dirty="0"/>
+              <a:t>  </a:t>
+            </a:r>
+            <a:r>
+              <a:rPr lang="en-US" altLang="zh-CN" sz="2000" dirty="0" err="1"/>
+              <a:t>useradd</a:t>
+            </a:r>
+            <a:r>
+              <a:rPr lang="en-US" altLang="zh-CN" sz="2000" dirty="0"/>
+              <a:t>  -M -s /</a:t>
+            </a:r>
+            <a:r>
+              <a:rPr lang="en-US" altLang="zh-CN" sz="2000" dirty="0" err="1"/>
+              <a:t>usr</a:t>
+            </a:r>
+            <a:r>
+              <a:rPr lang="en-US" altLang="zh-CN" sz="2000" dirty="0"/>
+              <a:t>/</a:t>
+            </a:r>
+            <a:r>
+              <a:rPr lang="en-US" altLang="zh-CN" sz="2000" dirty="0" err="1"/>
+              <a:t>sbin</a:t>
+            </a:r>
+            <a:r>
+              <a:rPr lang="en-US" altLang="zh-CN" sz="2000" dirty="0"/>
+              <a:t>/</a:t>
+            </a:r>
+            <a:r>
+              <a:rPr lang="en-US" altLang="zh-CN" sz="2000" dirty="0" err="1"/>
+              <a:t>nologin</a:t>
+            </a:r>
+            <a:r>
+              <a:rPr lang="en-US" altLang="zh-CN" sz="2000" dirty="0"/>
+              <a:t>  </a:t>
+            </a:r>
+            <a:r>
+              <a:rPr lang="en-US" altLang="zh-CN" sz="2000" dirty="0" err="1"/>
+              <a:t>mysql</a:t>
+            </a:r>
+            <a:endParaRPr lang="en-US" altLang="zh-CN" sz="2000" dirty="0"/>
+          </a:p>
+          <a:p>
+            <a:endParaRPr lang="en-US" altLang="zh-CN" sz="2000" dirty="0"/>
+          </a:p>
+          <a:p>
+            <a:r>
+              <a:rPr lang="zh-CN" altLang="en-US" sz="2000" dirty="0"/>
+              <a:t>运行：</a:t>
+            </a:r>
+            <a:r>
+              <a:rPr lang="en-US" altLang="zh-CN" sz="2000" dirty="0" err="1"/>
+              <a:t>sudo</a:t>
+            </a:r>
+            <a:r>
+              <a:rPr lang="en-US" altLang="zh-CN" sz="2000" dirty="0"/>
+              <a:t> scripts/</a:t>
+            </a:r>
+            <a:r>
+              <a:rPr lang="en-US" altLang="zh-CN" sz="2000" dirty="0" err="1"/>
+              <a:t>mysql_install_db</a:t>
+            </a:r>
+            <a:r>
+              <a:rPr lang="en-US" altLang="zh-CN" sz="2000" dirty="0"/>
+              <a:t> --user=</a:t>
+            </a:r>
+            <a:r>
+              <a:rPr lang="en-US" altLang="zh-CN" sz="2000" dirty="0" err="1"/>
+              <a:t>mysql</a:t>
+            </a:r>
+            <a:r>
+              <a:rPr lang="en-US" altLang="zh-CN" sz="2000" dirty="0"/>
+              <a:t> --defaults-file=</a:t>
+            </a:r>
+            <a:r>
+              <a:rPr lang="en-US" altLang="zh-CN" sz="2000" dirty="0" err="1"/>
+              <a:t>etc</a:t>
+            </a:r>
+            <a:r>
+              <a:rPr lang="en-US" altLang="zh-CN" sz="2000" dirty="0"/>
+              <a:t>/</a:t>
+            </a:r>
+            <a:r>
+              <a:rPr lang="en-US" altLang="zh-CN" sz="2000" dirty="0" err="1"/>
+              <a:t>my.cnf</a:t>
+            </a:r>
+            <a:endParaRPr lang="en-US" altLang="zh-CN" sz="2000" dirty="0"/>
+          </a:p>
+          <a:p>
+            <a:endParaRPr lang="en-US" altLang="zh-CN" sz="2000" dirty="0"/>
+          </a:p>
+          <a:p>
+            <a:r>
+              <a:rPr lang="zh-CN" altLang="en-US" sz="2000" dirty="0"/>
+              <a:t>在</a:t>
+            </a:r>
+            <a:r>
+              <a:rPr lang="en-US" altLang="zh-CN" sz="2000" dirty="0" err="1"/>
+              <a:t>var</a:t>
+            </a:r>
+            <a:r>
+              <a:rPr lang="en-US" altLang="zh-CN" sz="2000" dirty="0"/>
+              <a:t>/</a:t>
+            </a:r>
+            <a:r>
+              <a:rPr lang="zh-CN" altLang="en-US" sz="2000" dirty="0"/>
+              <a:t>下创建</a:t>
+            </a:r>
+            <a:r>
+              <a:rPr lang="en-US" altLang="zh-CN" sz="2000" dirty="0" err="1"/>
+              <a:t>mysql</a:t>
+            </a:r>
+            <a:r>
+              <a:rPr lang="zh-CN" altLang="en-US" sz="2000" dirty="0"/>
+              <a:t>目录，然后创建</a:t>
+            </a:r>
+            <a:r>
+              <a:rPr lang="en-US" altLang="zh-CN" sz="2000" dirty="0" err="1"/>
+              <a:t>mysql</a:t>
+            </a:r>
+            <a:r>
+              <a:rPr lang="en-US" altLang="zh-CN" sz="2000" dirty="0"/>
+              <a:t>/</a:t>
+            </a:r>
+            <a:r>
+              <a:rPr lang="en-US" altLang="zh-CN" sz="2000" dirty="0" err="1"/>
+              <a:t>english</a:t>
+            </a:r>
+            <a:r>
+              <a:rPr lang="zh-CN" altLang="en-US" sz="2000" dirty="0"/>
+              <a:t>目录，复制</a:t>
+            </a:r>
+            <a:r>
+              <a:rPr lang="en-US" altLang="zh-CN" sz="2000" dirty="0"/>
+              <a:t>share/English/errmsg.sys </a:t>
+            </a:r>
+            <a:r>
+              <a:rPr lang="zh-CN" altLang="en-US" sz="2000" dirty="0"/>
+              <a:t>到</a:t>
+            </a:r>
+            <a:r>
+              <a:rPr lang="en-US" altLang="zh-CN" sz="2000" dirty="0" err="1"/>
+              <a:t>var</a:t>
+            </a:r>
+            <a:r>
+              <a:rPr lang="en-US" altLang="zh-CN" sz="2000" dirty="0"/>
+              <a:t>/</a:t>
+            </a:r>
+            <a:r>
+              <a:rPr lang="en-US" altLang="zh-CN" sz="2000" dirty="0" err="1"/>
+              <a:t>mysql</a:t>
+            </a:r>
+            <a:r>
+              <a:rPr lang="en-US" altLang="zh-CN" sz="2000" dirty="0"/>
+              <a:t>/</a:t>
+            </a:r>
+            <a:r>
+              <a:rPr lang="en-US" altLang="zh-CN" sz="2000" dirty="0" err="1"/>
+              <a:t>english</a:t>
+            </a:r>
+            <a:r>
+              <a:rPr lang="zh-CN" altLang="en-US" sz="2000" dirty="0"/>
+              <a:t>。</a:t>
+            </a:r>
+            <a:endParaRPr lang="en-US" altLang="zh-CN" sz="2000" dirty="0"/>
+          </a:p>
+          <a:p>
+            <a:endParaRPr lang="en-US" altLang="zh-CN" sz="2000" dirty="0"/>
+          </a:p>
+          <a:p>
+            <a:r>
+              <a:rPr lang="zh-CN" altLang="en-US" sz="2000" dirty="0"/>
+              <a:t>启动服务：</a:t>
+            </a:r>
+            <a:r>
+              <a:rPr lang="en-US" altLang="zh-CN" sz="2000" dirty="0" err="1"/>
+              <a:t>sudo</a:t>
+            </a:r>
+            <a:r>
+              <a:rPr lang="en-US" altLang="zh-CN" sz="2000" dirty="0"/>
+              <a:t> –u </a:t>
+            </a:r>
+            <a:r>
+              <a:rPr lang="en-US" altLang="zh-CN" sz="2000" dirty="0" err="1"/>
+              <a:t>mysql</a:t>
+            </a:r>
+            <a:r>
+              <a:rPr lang="en-US" altLang="zh-CN" sz="2000" dirty="0"/>
+              <a:t>  /</a:t>
+            </a:r>
+            <a:r>
+              <a:rPr lang="en-US" altLang="zh-CN" sz="2000" dirty="0" err="1"/>
+              <a:t>webrun</a:t>
+            </a:r>
+            <a:r>
+              <a:rPr lang="en-US" altLang="zh-CN" sz="2000" dirty="0"/>
+              <a:t>/</a:t>
+            </a:r>
+            <a:r>
+              <a:rPr lang="en-US" altLang="zh-CN" sz="2000" dirty="0" err="1"/>
+              <a:t>mariadb</a:t>
+            </a:r>
+            <a:r>
+              <a:rPr lang="en-US" altLang="zh-CN" sz="2000" dirty="0"/>
+              <a:t>/bin/</a:t>
+            </a:r>
+            <a:r>
+              <a:rPr lang="en-US" altLang="zh-CN" sz="2000" dirty="0" err="1"/>
+              <a:t>mysqld</a:t>
+            </a:r>
+            <a:r>
+              <a:rPr lang="en-US" altLang="zh-CN" sz="2000" dirty="0"/>
+              <a:t> _safe  --defaults-file=/</a:t>
+            </a:r>
+            <a:r>
+              <a:rPr lang="en-US" altLang="zh-CN" sz="2000" dirty="0" err="1"/>
+              <a:t>webrun</a:t>
+            </a:r>
+            <a:r>
+              <a:rPr lang="en-US" altLang="zh-CN" sz="2000" dirty="0"/>
+              <a:t>/</a:t>
+            </a:r>
+            <a:r>
+              <a:rPr lang="en-US" altLang="zh-CN" sz="2000" dirty="0" err="1"/>
+              <a:t>mariadb</a:t>
+            </a:r>
+            <a:r>
+              <a:rPr lang="en-US" altLang="zh-CN" sz="2000" dirty="0"/>
+              <a:t>/</a:t>
+            </a:r>
+            <a:r>
+              <a:rPr lang="en-US" altLang="zh-CN" sz="2000" dirty="0" err="1"/>
+              <a:t>etc</a:t>
+            </a:r>
+            <a:r>
+              <a:rPr lang="en-US" altLang="zh-CN" sz="2000" dirty="0"/>
+              <a:t>/</a:t>
+            </a:r>
+            <a:r>
+              <a:rPr lang="en-US" altLang="zh-CN" sz="2000" dirty="0" err="1"/>
+              <a:t>my.cnf</a:t>
+            </a:r>
             <a:endParaRPr lang="en-US" altLang="zh-CN" sz="2000" dirty="0"/>
           </a:p>
           <a:p>
@@ -5891,27 +6391,7 @@
                   </a:schemeClr>
                 </a:solidFill>
               </a:rPr>
-              <a:t>编写</a:t>
-            </a:r>
-            <a:r>
-              <a:rPr lang="en-US" altLang="zh-CN" sz="3200" dirty="0">
-                <a:solidFill>
-                  <a:schemeClr val="accent1">
-                    <a:lumMod val="75000"/>
-                  </a:schemeClr>
-                </a:solidFill>
-              </a:rPr>
-              <a:t>PHP</a:t>
-            </a:r>
-            <a:r>
-              <a:rPr lang="zh-CN" altLang="en-US" sz="3200" dirty="0">
-                <a:solidFill>
-                  <a:schemeClr val="accent1">
-                    <a:lumMod val="75000"/>
-                  </a:schemeClr>
-                </a:solidFill>
-              </a:rPr>
-              <a:t>测试代码</a:t>
+              <a:t>启动运行环境</a:t>
             </a:r>
           </a:p>
         </p:txBody>
@@ -5972,7 +6452,14 @@
           <a:bodyPr/>
           <a:lstStyle/>
           <a:p>
-            <a:endParaRPr lang="zh-CN" altLang="en-US" dirty="0"/>
+            <a:r>
+              <a:rPr lang="en-US" altLang="zh-CN" dirty="0"/>
+              <a:t>LNMP</a:t>
+            </a:r>
+            <a:r>
+              <a:rPr lang="zh-CN" altLang="en-US" dirty="0"/>
+              <a:t>环境</a:t>
+            </a:r>
           </a:p>
         </p:txBody>
       </p:sp>
@@ -6006,7 +6493,7 @@
           <a:p>
             <a:r>
               <a:rPr lang="zh-CN" altLang="en-US" sz="2000" dirty="0"/>
-              <a:t>通过一个脚本调用</a:t>
+              <a:t>这里的方式是把</a:t>
             </a:r>
             <a:r>
               <a:rPr lang="en-US" altLang="zh-CN" sz="2000" dirty="0"/>
@@ -6014,7 +6501,7 @@
             </a:r>
             <a:r>
               <a:rPr lang="zh-CN" altLang="en-US" sz="2000" dirty="0"/>
-              <a:t>，</a:t>
+              <a:t>和</a:t>
             </a:r>
             <a:r>
               <a:rPr lang="en-US" altLang="zh-CN" sz="2000" dirty="0" err="1"/>
@@ -6026,15 +6513,25 @@
             </a:r>
             <a:r>
               <a:rPr lang="zh-CN" altLang="en-US" sz="2000" dirty="0"/>
-              <a:t>，</a:t>
+              <a:t>作为同时启动和停止的服务，数据库是分离的控制脚本。</a:t>
+            </a:r>
+            <a:endParaRPr lang="en-US" altLang="zh-CN" sz="2000" dirty="0"/>
+          </a:p>
+          <a:p>
+            <a:endParaRPr lang="en-US" altLang="zh-CN" sz="2000" dirty="0"/>
+          </a:p>
+          <a:p>
+            <a:r>
+              <a:rPr lang="zh-CN" altLang="en-US" sz="2000" dirty="0"/>
+              <a:t>启动</a:t>
             </a:r>
             <a:r>
               <a:rPr lang="en-US" altLang="zh-CN" sz="2000" dirty="0"/>
-              <a:t>MySQL</a:t>
-            </a:r>
-            <a:r>
-              <a:rPr lang="zh-CN" altLang="en-US" sz="2000" dirty="0"/>
-              <a:t>管理脚本即可实现统一管理。</a:t>
+              <a:t>LNMP</a:t>
+            </a:r>
+            <a:r>
+              <a:rPr lang="zh-CN" altLang="en-US" sz="2000"/>
+              <a:t>环境，并编写测试代码查看效果。</a:t>
             </a:r>
             <a:endParaRPr lang="en-US" altLang="zh-CN" sz="2000" dirty="0"/>
           </a:p>
@@ -6177,6 +6674,16 @@
               <a:buNone/>
             </a:pPr>
             <a:r>
+              <a:rPr lang="en-US" altLang="zh-CN" sz="3200" dirty="0">
+                <a:solidFill>
+                  <a:schemeClr val="accent1">
+                    <a:lumMod val="75000"/>
+                  </a:schemeClr>
+                </a:solidFill>
+              </a:rPr>
+              <a:t>composer</a:t>
+            </a:r>
+            <a:r>
               <a:rPr lang="zh-CN" altLang="en-US" sz="3200" dirty="0">
                 <a:solidFill>
                   <a:schemeClr val="accent1">
@@ -6184,28 +6691,15 @@
                   </a:schemeClr>
                 </a:solidFill>
               </a:rPr>
-              <a:t>编写</a:t>
-            </a:r>
-            <a:r>
-              <a:rPr lang="en-US" altLang="zh-CN" sz="3200" dirty="0">
-                <a:solidFill>
-                  <a:schemeClr val="accent1">
-                    <a:lumMod val="75000"/>
-                  </a:schemeClr>
-                </a:solidFill>
-              </a:rPr>
-              <a:t>PHP</a:t>
-            </a:r>
-            <a:r>
-              <a:rPr lang="zh-CN" altLang="en-US" sz="3200" dirty="0">
-                <a:solidFill>
-                  <a:schemeClr val="accent1">
-                    <a:lumMod val="75000"/>
-                  </a:schemeClr>
-                </a:solidFill>
-              </a:rPr>
-              <a:t>代码进行测试</a:t>
-            </a:r>
+              <a:t>模块化开发配置</a:t>
+            </a:r>
+            <a:endParaRPr lang="en-US" altLang="zh-CN" sz="3200" dirty="0">
+              <a:solidFill>
+                <a:schemeClr val="accent1">
+                  <a:lumMod val="75000"/>
+                </a:schemeClr>
+              </a:solidFill>
+            </a:endParaRPr>
           </a:p>
         </p:txBody>
       </p:sp>
@@ -6266,10 +6760,17 @@
           <a:lstStyle/>
           <a:p>
             <a:r>
+              <a:rPr lang="zh-CN" altLang="en-US" dirty="0"/>
+              <a:t>安装</a:t>
+            </a:r>
+            <a:r>
               <a:rPr lang="en-US" altLang="zh-CN" dirty="0" err="1"/>
-              <a:t>phpinfo</a:t>
-            </a:r>
-            <a:endParaRPr lang="zh-CN" altLang="en-US" dirty="0"/>
+              <a:t>Medoo</a:t>
+            </a:r>
+            <a:r>
+              <a:rPr lang="zh-CN" altLang="en-US" dirty="0"/>
+              <a:t>数据库扩展</a:t>
+            </a:r>
           </a:p>
         </p:txBody>
       </p:sp>
@@ -6300,6 +6801,89 @@
             <a:normAutofit/>
           </a:bodyPr>
           <a:lstStyle/>
+          <a:p>
+            <a:r>
+              <a:rPr lang="en-US" altLang="zh-CN" sz="2000" dirty="0" err="1"/>
+              <a:t>Medoo</a:t>
+            </a:r>
+            <a:r>
+              <a:rPr lang="zh-CN" altLang="en-US" sz="2000" dirty="0"/>
+              <a:t>是一个开源的发布于</a:t>
+            </a:r>
+            <a:r>
+              <a:rPr lang="en-US" altLang="zh-CN" sz="2000" dirty="0"/>
+              <a:t>MIT</a:t>
+            </a:r>
+            <a:r>
+              <a:rPr lang="zh-CN" altLang="en-US" sz="2000" dirty="0"/>
+              <a:t>协议的</a:t>
+            </a:r>
+            <a:r>
+              <a:rPr lang="en-US" altLang="zh-CN" sz="2000" dirty="0"/>
+              <a:t>PHP</a:t>
+            </a:r>
+            <a:r>
+              <a:rPr lang="zh-CN" altLang="en-US" sz="2000" dirty="0"/>
+              <a:t>数据库扩展。整个扩展就是一个文件实现了数据库的基本操作。</a:t>
+            </a:r>
+            <a:endParaRPr lang="en-US" altLang="zh-CN" sz="2000" dirty="0"/>
+          </a:p>
+          <a:p>
+            <a:endParaRPr lang="en-US" altLang="zh-CN" sz="2000" dirty="0"/>
+          </a:p>
+          <a:p>
+            <a:r>
+              <a:rPr lang="zh-CN" altLang="en-US" sz="2000" dirty="0"/>
+              <a:t>基于</a:t>
+            </a:r>
+            <a:r>
+              <a:rPr lang="en-US" altLang="zh-CN" sz="2000" dirty="0"/>
+              <a:t>PDO</a:t>
+            </a:r>
+            <a:r>
+              <a:rPr lang="zh-CN" altLang="en-US" sz="2000" dirty="0"/>
+              <a:t>实现，所以</a:t>
+            </a:r>
+            <a:r>
+              <a:rPr lang="en-US" altLang="zh-CN" sz="2000" dirty="0"/>
+              <a:t>PHP</a:t>
+            </a:r>
+            <a:r>
+              <a:rPr lang="zh-CN" altLang="en-US" sz="2000" dirty="0"/>
+              <a:t>要启用</a:t>
+            </a:r>
+            <a:r>
+              <a:rPr lang="en-US" altLang="zh-CN" sz="2000" dirty="0"/>
+              <a:t>PDO</a:t>
+            </a:r>
+            <a:r>
+              <a:rPr lang="zh-CN" altLang="en-US" sz="2000" dirty="0"/>
+              <a:t>。</a:t>
+            </a:r>
+            <a:endParaRPr lang="en-US" altLang="zh-CN" sz="2000" dirty="0"/>
+          </a:p>
+          <a:p>
+            <a:endParaRPr lang="en-US" altLang="zh-CN" sz="2000" dirty="0"/>
+          </a:p>
+          <a:p>
+            <a:r>
+              <a:rPr lang="zh-CN" altLang="en-US" sz="2000" dirty="0"/>
+              <a:t>安装：</a:t>
+            </a:r>
+            <a:r>
+              <a:rPr lang="en-US" altLang="zh-CN" sz="2000" dirty="0" err="1"/>
+              <a:t>composer.phar</a:t>
+            </a:r>
+            <a:r>
+              <a:rPr lang="en-US" altLang="zh-CN" sz="2000" dirty="0"/>
+              <a:t>  require  caftan/</a:t>
+            </a:r>
+            <a:r>
+              <a:rPr lang="en-US" altLang="zh-CN" sz="2000" dirty="0" err="1"/>
+              <a:t>medoo</a:t>
+            </a:r>
+            <a:endParaRPr lang="en-US" altLang="zh-CN" sz="2000" dirty="0"/>
+          </a:p>
           <a:p>
             <a:endParaRPr lang="en-US" altLang="zh-CN" sz="2000" dirty="0"/>
           </a:p>
